--- a/Cybersecurity.pptx
+++ b/Cybersecurity.pptx
@@ -131,13 +131,1110 @@
 <p1510:revInfo xmlns:a="http://schemas.openxmlformats.org/drawingml/2006/main" xmlns:r="http://schemas.openxmlformats.org/officeDocument/2006/relationships" xmlns:p1510="http://schemas.microsoft.com/office/powerpoint/2015/10/main">
   <p1510:revLst>
     <p1510:client id="{26AE9585-BCC9-4F42-B4EA-54D67C9D7F68}" v="32" dt="2021-08-19T05:53:24.132"/>
-    <p1510:client id="{ECE46D58-B7B5-4482-9F65-EDAD18A6F4F8}" v="6" dt="2021-08-18T08:57:31.760"/>
+    <p1510:client id="{ECE46D58-B7B5-4482-9F65-EDAD18A6F4F8}" v="11" dt="2021-08-19T23:51:43.798"/>
   </p1510:revLst>
 </p1510:revInfo>
 </file>
 
 <file path=ppt/changesInfos/changesInfo1.xml><?xml version="1.0" encoding="utf-8"?>
 <pc:chgInfo xmlns:a="http://schemas.openxmlformats.org/drawingml/2006/main" xmlns:r="http://schemas.openxmlformats.org/officeDocument/2006/relationships" xmlns:ac="http://schemas.microsoft.com/office/drawing/2013/main/command" xmlns:pc="http://schemas.microsoft.com/office/powerpoint/2013/main/command">
+  <pc:docChgLst>
+    <pc:chgData name="Harsh Modi" userId="9b11284f-2ff1-4f11-8d2e-728779c653c6" providerId="ADAL" clId="{ECE46D58-B7B5-4482-9F65-EDAD18A6F4F8}"/>
+    <pc:docChg chg="undo custSel addSld modSld sldOrd addMainMaster delMainMaster">
+      <pc:chgData name="Harsh Modi" userId="9b11284f-2ff1-4f11-8d2e-728779c653c6" providerId="ADAL" clId="{ECE46D58-B7B5-4482-9F65-EDAD18A6F4F8}" dt="2021-08-19T04:53:06.994" v="2523" actId="20577"/>
+      <pc:docMkLst>
+        <pc:docMk/>
+      </pc:docMkLst>
+      <pc:sldChg chg="addSp delSp modSp mod setBg modClrScheme addAnim delAnim chgLayout">
+        <pc:chgData name="Harsh Modi" userId="9b11284f-2ff1-4f11-8d2e-728779c653c6" providerId="ADAL" clId="{ECE46D58-B7B5-4482-9F65-EDAD18A6F4F8}" dt="2021-08-17T23:45:40.158" v="10"/>
+        <pc:sldMkLst>
+          <pc:docMk/>
+          <pc:sldMk cId="1909974127" sldId="256"/>
+        </pc:sldMkLst>
+        <pc:spChg chg="mod">
+          <ac:chgData name="Harsh Modi" userId="9b11284f-2ff1-4f11-8d2e-728779c653c6" providerId="ADAL" clId="{ECE46D58-B7B5-4482-9F65-EDAD18A6F4F8}" dt="2021-08-17T23:45:40.157" v="8" actId="26606"/>
+          <ac:spMkLst>
+            <pc:docMk/>
+            <pc:sldMk cId="1909974127" sldId="256"/>
+            <ac:spMk id="2" creationId="{8C5C355E-5337-4C86-962A-FCF58563A004}"/>
+          </ac:spMkLst>
+        </pc:spChg>
+        <pc:spChg chg="mod">
+          <ac:chgData name="Harsh Modi" userId="9b11284f-2ff1-4f11-8d2e-728779c653c6" providerId="ADAL" clId="{ECE46D58-B7B5-4482-9F65-EDAD18A6F4F8}" dt="2021-08-17T23:45:40.157" v="8" actId="26606"/>
+          <ac:spMkLst>
+            <pc:docMk/>
+            <pc:sldMk cId="1909974127" sldId="256"/>
+            <ac:spMk id="3" creationId="{9E42AEF1-4007-496F-BA4A-08CC0CCCB26C}"/>
+          </ac:spMkLst>
+        </pc:spChg>
+        <pc:spChg chg="add del">
+          <ac:chgData name="Harsh Modi" userId="9b11284f-2ff1-4f11-8d2e-728779c653c6" providerId="ADAL" clId="{ECE46D58-B7B5-4482-9F65-EDAD18A6F4F8}" dt="2021-08-17T23:45:34.509" v="5" actId="26606"/>
+          <ac:spMkLst>
+            <pc:docMk/>
+            <pc:sldMk cId="1909974127" sldId="256"/>
+            <ac:spMk id="5" creationId="{7A18C9FB-EC4C-4DAE-8F7D-C6E5AF607958}"/>
+          </ac:spMkLst>
+        </pc:spChg>
+        <pc:spChg chg="add del">
+          <ac:chgData name="Harsh Modi" userId="9b11284f-2ff1-4f11-8d2e-728779c653c6" providerId="ADAL" clId="{ECE46D58-B7B5-4482-9F65-EDAD18A6F4F8}" dt="2021-08-17T23:45:34.509" v="5" actId="26606"/>
+          <ac:spMkLst>
+            <pc:docMk/>
+            <pc:sldMk cId="1909974127" sldId="256"/>
+            <ac:spMk id="7" creationId="{B47A9921-6509-49C2-BEBF-924F28066091}"/>
+          </ac:spMkLst>
+        </pc:spChg>
+        <pc:spChg chg="del">
+          <ac:chgData name="Harsh Modi" userId="9b11284f-2ff1-4f11-8d2e-728779c653c6" providerId="ADAL" clId="{ECE46D58-B7B5-4482-9F65-EDAD18A6F4F8}" dt="2021-08-17T23:44:18.666" v="1" actId="26606"/>
+          <ac:spMkLst>
+            <pc:docMk/>
+            <pc:sldMk cId="1909974127" sldId="256"/>
+            <ac:spMk id="9" creationId="{37FDDF72-DE39-4F99-A3C1-DD9D7815D7DB}"/>
+          </ac:spMkLst>
+        </pc:spChg>
+        <pc:spChg chg="add del">
+          <ac:chgData name="Harsh Modi" userId="9b11284f-2ff1-4f11-8d2e-728779c653c6" providerId="ADAL" clId="{ECE46D58-B7B5-4482-9F65-EDAD18A6F4F8}" dt="2021-08-17T23:45:40.102" v="7" actId="26606"/>
+          <ac:spMkLst>
+            <pc:docMk/>
+            <pc:sldMk cId="1909974127" sldId="256"/>
+            <ac:spMk id="10" creationId="{24EF3E42-675E-4E84-AA5A-E233060C0D3C}"/>
+          </ac:spMkLst>
+        </pc:spChg>
+        <pc:spChg chg="del">
+          <ac:chgData name="Harsh Modi" userId="9b11284f-2ff1-4f11-8d2e-728779c653c6" providerId="ADAL" clId="{ECE46D58-B7B5-4482-9F65-EDAD18A6F4F8}" dt="2021-08-17T23:44:18.666" v="1" actId="26606"/>
+          <ac:spMkLst>
+            <pc:docMk/>
+            <pc:sldMk cId="1909974127" sldId="256"/>
+            <ac:spMk id="11" creationId="{5E4ECE80-3AD1-450C-B62A-98788F193948}"/>
+          </ac:spMkLst>
+        </pc:spChg>
+        <pc:spChg chg="add del">
+          <ac:chgData name="Harsh Modi" userId="9b11284f-2ff1-4f11-8d2e-728779c653c6" providerId="ADAL" clId="{ECE46D58-B7B5-4482-9F65-EDAD18A6F4F8}" dt="2021-08-17T23:45:40.102" v="7" actId="26606"/>
+          <ac:spMkLst>
+            <pc:docMk/>
+            <pc:sldMk cId="1909974127" sldId="256"/>
+            <ac:spMk id="12" creationId="{0F3B65B4-B443-446A-9981-E6E89B0B75C1}"/>
+          </ac:spMkLst>
+        </pc:spChg>
+        <pc:spChg chg="add del">
+          <ac:chgData name="Harsh Modi" userId="9b11284f-2ff1-4f11-8d2e-728779c653c6" providerId="ADAL" clId="{ECE46D58-B7B5-4482-9F65-EDAD18A6F4F8}" dt="2021-08-17T23:45:40.102" v="7" actId="26606"/>
+          <ac:spMkLst>
+            <pc:docMk/>
+            <pc:sldMk cId="1909974127" sldId="256"/>
+            <ac:spMk id="16" creationId="{A382C86F-FA5A-4A2F-86CC-0E1A2FB39EB9}"/>
+          </ac:spMkLst>
+        </pc:spChg>
+        <pc:spChg chg="add">
+          <ac:chgData name="Harsh Modi" userId="9b11284f-2ff1-4f11-8d2e-728779c653c6" providerId="ADAL" clId="{ECE46D58-B7B5-4482-9F65-EDAD18A6F4F8}" dt="2021-08-17T23:45:40.157" v="8" actId="26606"/>
+          <ac:spMkLst>
+            <pc:docMk/>
+            <pc:sldMk cId="1909974127" sldId="256"/>
+            <ac:spMk id="19" creationId="{7A18C9FB-EC4C-4DAE-8F7D-C6E5AF607958}"/>
+          </ac:spMkLst>
+        </pc:spChg>
+        <pc:spChg chg="add">
+          <ac:chgData name="Harsh Modi" userId="9b11284f-2ff1-4f11-8d2e-728779c653c6" providerId="ADAL" clId="{ECE46D58-B7B5-4482-9F65-EDAD18A6F4F8}" dt="2021-08-17T23:45:40.157" v="8" actId="26606"/>
+          <ac:spMkLst>
+            <pc:docMk/>
+            <pc:sldMk cId="1909974127" sldId="256"/>
+            <ac:spMk id="21" creationId="{B47A9921-6509-49C2-BEBF-924F28066091}"/>
+          </ac:spMkLst>
+        </pc:spChg>
+        <pc:grpChg chg="del">
+          <ac:chgData name="Harsh Modi" userId="9b11284f-2ff1-4f11-8d2e-728779c653c6" providerId="ADAL" clId="{ECE46D58-B7B5-4482-9F65-EDAD18A6F4F8}" dt="2021-08-17T23:44:18.666" v="1" actId="26606"/>
+          <ac:grpSpMkLst>
+            <pc:docMk/>
+            <pc:sldMk cId="1909974127" sldId="256"/>
+            <ac:grpSpMk id="13" creationId="{B9632603-447F-4389-863D-9820DB9915A2}"/>
+          </ac:grpSpMkLst>
+        </pc:grpChg>
+        <pc:picChg chg="del mod">
+          <ac:chgData name="Harsh Modi" userId="9b11284f-2ff1-4f11-8d2e-728779c653c6" providerId="ADAL" clId="{ECE46D58-B7B5-4482-9F65-EDAD18A6F4F8}" dt="2021-08-17T23:44:18.666" v="1" actId="26606"/>
+          <ac:picMkLst>
+            <pc:docMk/>
+            <pc:sldMk cId="1909974127" sldId="256"/>
+            <ac:picMk id="4" creationId="{26A8E544-A6B9-46B3-B25B-1CBCEF9ACC64}"/>
+          </ac:picMkLst>
+        </pc:picChg>
+        <pc:picChg chg="add del">
+          <ac:chgData name="Harsh Modi" userId="9b11284f-2ff1-4f11-8d2e-728779c653c6" providerId="ADAL" clId="{ECE46D58-B7B5-4482-9F65-EDAD18A6F4F8}" dt="2021-08-17T23:45:34.509" v="5" actId="26606"/>
+          <ac:picMkLst>
+            <pc:docMk/>
+            <pc:sldMk cId="1909974127" sldId="256"/>
+            <ac:picMk id="6" creationId="{F734739A-D892-493C-9C83-7FA40D86D6F2}"/>
+          </ac:picMkLst>
+        </pc:picChg>
+        <pc:picChg chg="add del">
+          <ac:chgData name="Harsh Modi" userId="9b11284f-2ff1-4f11-8d2e-728779c653c6" providerId="ADAL" clId="{ECE46D58-B7B5-4482-9F65-EDAD18A6F4F8}" dt="2021-08-17T23:45:40.102" v="7" actId="26606"/>
+          <ac:picMkLst>
+            <pc:docMk/>
+            <pc:sldMk cId="1909974127" sldId="256"/>
+            <ac:picMk id="14" creationId="{F977AE0C-0142-448A-ACDC-66F383419B9D}"/>
+          </ac:picMkLst>
+        </pc:picChg>
+        <pc:picChg chg="add">
+          <ac:chgData name="Harsh Modi" userId="9b11284f-2ff1-4f11-8d2e-728779c653c6" providerId="ADAL" clId="{ECE46D58-B7B5-4482-9F65-EDAD18A6F4F8}" dt="2021-08-17T23:45:40.157" v="8" actId="26606"/>
+          <ac:picMkLst>
+            <pc:docMk/>
+            <pc:sldMk cId="1909974127" sldId="256"/>
+            <ac:picMk id="20" creationId="{F734739A-D892-493C-9C83-7FA40D86D6F2}"/>
+          </ac:picMkLst>
+        </pc:picChg>
+        <pc:cxnChg chg="add del">
+          <ac:chgData name="Harsh Modi" userId="9b11284f-2ff1-4f11-8d2e-728779c653c6" providerId="ADAL" clId="{ECE46D58-B7B5-4482-9F65-EDAD18A6F4F8}" dt="2021-08-17T23:45:40.102" v="7" actId="26606"/>
+          <ac:cxnSpMkLst>
+            <pc:docMk/>
+            <pc:sldMk cId="1909974127" sldId="256"/>
+            <ac:cxnSpMk id="15" creationId="{FD6C387B-06BE-490B-A22D-8EA8A67AA87E}"/>
+          </ac:cxnSpMkLst>
+        </pc:cxnChg>
+        <pc:cxnChg chg="add del">
+          <ac:chgData name="Harsh Modi" userId="9b11284f-2ff1-4f11-8d2e-728779c653c6" providerId="ADAL" clId="{ECE46D58-B7B5-4482-9F65-EDAD18A6F4F8}" dt="2021-08-17T23:45:40.102" v="7" actId="26606"/>
+          <ac:cxnSpMkLst>
+            <pc:docMk/>
+            <pc:sldMk cId="1909974127" sldId="256"/>
+            <ac:cxnSpMk id="17" creationId="{94DCE841-D2A0-408E-8F2F-990D0105E2FE}"/>
+          </ac:cxnSpMkLst>
+        </pc:cxnChg>
+      </pc:sldChg>
+      <pc:sldChg chg="modSp new mod">
+        <pc:chgData name="Harsh Modi" userId="9b11284f-2ff1-4f11-8d2e-728779c653c6" providerId="ADAL" clId="{ECE46D58-B7B5-4482-9F65-EDAD18A6F4F8}" dt="2021-08-19T04:53:06.994" v="2523" actId="20577"/>
+        <pc:sldMkLst>
+          <pc:docMk/>
+          <pc:sldMk cId="2871643485" sldId="257"/>
+        </pc:sldMkLst>
+        <pc:spChg chg="mod">
+          <ac:chgData name="Harsh Modi" userId="9b11284f-2ff1-4f11-8d2e-728779c653c6" providerId="ADAL" clId="{ECE46D58-B7B5-4482-9F65-EDAD18A6F4F8}" dt="2021-08-17T23:45:58.843" v="17" actId="20577"/>
+          <ac:spMkLst>
+            <pc:docMk/>
+            <pc:sldMk cId="2871643485" sldId="257"/>
+            <ac:spMk id="2" creationId="{7D731EAC-458E-4F80-8D37-AC03AC1E4630}"/>
+          </ac:spMkLst>
+        </pc:spChg>
+        <pc:spChg chg="mod">
+          <ac:chgData name="Harsh Modi" userId="9b11284f-2ff1-4f11-8d2e-728779c653c6" providerId="ADAL" clId="{ECE46D58-B7B5-4482-9F65-EDAD18A6F4F8}" dt="2021-08-19T04:53:06.994" v="2523" actId="20577"/>
+          <ac:spMkLst>
+            <pc:docMk/>
+            <pc:sldMk cId="2871643485" sldId="257"/>
+            <ac:spMk id="3" creationId="{642B5F7B-3AE2-4A44-B11A-EA23AA36743C}"/>
+          </ac:spMkLst>
+        </pc:spChg>
+      </pc:sldChg>
+      <pc:sldChg chg="modSp new mod">
+        <pc:chgData name="Harsh Modi" userId="9b11284f-2ff1-4f11-8d2e-728779c653c6" providerId="ADAL" clId="{ECE46D58-B7B5-4482-9F65-EDAD18A6F4F8}" dt="2021-08-18T06:23:00.044" v="163" actId="113"/>
+        <pc:sldMkLst>
+          <pc:docMk/>
+          <pc:sldMk cId="696851034" sldId="258"/>
+        </pc:sldMkLst>
+        <pc:spChg chg="mod">
+          <ac:chgData name="Harsh Modi" userId="9b11284f-2ff1-4f11-8d2e-728779c653c6" providerId="ADAL" clId="{ECE46D58-B7B5-4482-9F65-EDAD18A6F4F8}" dt="2021-08-18T00:24:42.908" v="52" actId="20577"/>
+          <ac:spMkLst>
+            <pc:docMk/>
+            <pc:sldMk cId="696851034" sldId="258"/>
+            <ac:spMk id="2" creationId="{FC1A85AB-8D9A-40E8-8D8A-5D28F7E570B7}"/>
+          </ac:spMkLst>
+        </pc:spChg>
+        <pc:spChg chg="mod">
+          <ac:chgData name="Harsh Modi" userId="9b11284f-2ff1-4f11-8d2e-728779c653c6" providerId="ADAL" clId="{ECE46D58-B7B5-4482-9F65-EDAD18A6F4F8}" dt="2021-08-18T06:23:00.044" v="163" actId="113"/>
+          <ac:spMkLst>
+            <pc:docMk/>
+            <pc:sldMk cId="696851034" sldId="258"/>
+            <ac:spMk id="3" creationId="{8B13700E-F0DA-40B4-AC69-698F36ACE440}"/>
+          </ac:spMkLst>
+        </pc:spChg>
+      </pc:sldChg>
+      <pc:sldChg chg="modSp new mod ord">
+        <pc:chgData name="Harsh Modi" userId="9b11284f-2ff1-4f11-8d2e-728779c653c6" providerId="ADAL" clId="{ECE46D58-B7B5-4482-9F65-EDAD18A6F4F8}" dt="2021-08-18T08:25:54.697" v="1777" actId="20577"/>
+        <pc:sldMkLst>
+          <pc:docMk/>
+          <pc:sldMk cId="996535068" sldId="259"/>
+        </pc:sldMkLst>
+        <pc:spChg chg="mod">
+          <ac:chgData name="Harsh Modi" userId="9b11284f-2ff1-4f11-8d2e-728779c653c6" providerId="ADAL" clId="{ECE46D58-B7B5-4482-9F65-EDAD18A6F4F8}" dt="2021-08-18T06:22:30.843" v="159" actId="20577"/>
+          <ac:spMkLst>
+            <pc:docMk/>
+            <pc:sldMk cId="996535068" sldId="259"/>
+            <ac:spMk id="2" creationId="{6156D1B3-8520-4056-98D5-9518BD9E25DF}"/>
+          </ac:spMkLst>
+        </pc:spChg>
+        <pc:spChg chg="mod">
+          <ac:chgData name="Harsh Modi" userId="9b11284f-2ff1-4f11-8d2e-728779c653c6" providerId="ADAL" clId="{ECE46D58-B7B5-4482-9F65-EDAD18A6F4F8}" dt="2021-08-18T08:25:54.697" v="1777" actId="20577"/>
+          <ac:spMkLst>
+            <pc:docMk/>
+            <pc:sldMk cId="996535068" sldId="259"/>
+            <ac:spMk id="3" creationId="{6F9D09E4-290C-43D7-A9ED-4AFF26DDC2E4}"/>
+          </ac:spMkLst>
+        </pc:spChg>
+      </pc:sldChg>
+      <pc:sldChg chg="modSp new mod">
+        <pc:chgData name="Harsh Modi" userId="9b11284f-2ff1-4f11-8d2e-728779c653c6" providerId="ADAL" clId="{ECE46D58-B7B5-4482-9F65-EDAD18A6F4F8}" dt="2021-08-18T06:28:15.357" v="250" actId="20577"/>
+        <pc:sldMkLst>
+          <pc:docMk/>
+          <pc:sldMk cId="4116406919" sldId="260"/>
+        </pc:sldMkLst>
+        <pc:spChg chg="mod">
+          <ac:chgData name="Harsh Modi" userId="9b11284f-2ff1-4f11-8d2e-728779c653c6" providerId="ADAL" clId="{ECE46D58-B7B5-4482-9F65-EDAD18A6F4F8}" dt="2021-08-18T06:27:30.833" v="191" actId="20577"/>
+          <ac:spMkLst>
+            <pc:docMk/>
+            <pc:sldMk cId="4116406919" sldId="260"/>
+            <ac:spMk id="2" creationId="{B38D276A-53F2-4F16-8C17-07DD8BCEC71F}"/>
+          </ac:spMkLst>
+        </pc:spChg>
+        <pc:spChg chg="mod">
+          <ac:chgData name="Harsh Modi" userId="9b11284f-2ff1-4f11-8d2e-728779c653c6" providerId="ADAL" clId="{ECE46D58-B7B5-4482-9F65-EDAD18A6F4F8}" dt="2021-08-18T06:28:15.357" v="250" actId="20577"/>
+          <ac:spMkLst>
+            <pc:docMk/>
+            <pc:sldMk cId="4116406919" sldId="260"/>
+            <ac:spMk id="3" creationId="{1554EDDE-738D-460F-A054-8C7E2D1A2E55}"/>
+          </ac:spMkLst>
+        </pc:spChg>
+      </pc:sldChg>
+      <pc:sldChg chg="modSp new mod">
+        <pc:chgData name="Harsh Modi" userId="9b11284f-2ff1-4f11-8d2e-728779c653c6" providerId="ADAL" clId="{ECE46D58-B7B5-4482-9F65-EDAD18A6F4F8}" dt="2021-08-18T06:29:57.913" v="419" actId="20577"/>
+        <pc:sldMkLst>
+          <pc:docMk/>
+          <pc:sldMk cId="670215087" sldId="261"/>
+        </pc:sldMkLst>
+        <pc:spChg chg="mod">
+          <ac:chgData name="Harsh Modi" userId="9b11284f-2ff1-4f11-8d2e-728779c653c6" providerId="ADAL" clId="{ECE46D58-B7B5-4482-9F65-EDAD18A6F4F8}" dt="2021-08-18T06:28:40.595" v="298" actId="20577"/>
+          <ac:spMkLst>
+            <pc:docMk/>
+            <pc:sldMk cId="670215087" sldId="261"/>
+            <ac:spMk id="2" creationId="{2171F160-DC81-4C77-B0B5-B387B4E4E4C7}"/>
+          </ac:spMkLst>
+        </pc:spChg>
+        <pc:spChg chg="mod">
+          <ac:chgData name="Harsh Modi" userId="9b11284f-2ff1-4f11-8d2e-728779c653c6" providerId="ADAL" clId="{ECE46D58-B7B5-4482-9F65-EDAD18A6F4F8}" dt="2021-08-18T06:29:57.913" v="419" actId="20577"/>
+          <ac:spMkLst>
+            <pc:docMk/>
+            <pc:sldMk cId="670215087" sldId="261"/>
+            <ac:spMk id="3" creationId="{7F40232D-C59D-4882-BAD5-C707F62CDC88}"/>
+          </ac:spMkLst>
+        </pc:spChg>
+      </pc:sldChg>
+      <pc:sldChg chg="modSp new mod">
+        <pc:chgData name="Harsh Modi" userId="9b11284f-2ff1-4f11-8d2e-728779c653c6" providerId="ADAL" clId="{ECE46D58-B7B5-4482-9F65-EDAD18A6F4F8}" dt="2021-08-18T06:45:34.467" v="897" actId="20577"/>
+        <pc:sldMkLst>
+          <pc:docMk/>
+          <pc:sldMk cId="1180352724" sldId="262"/>
+        </pc:sldMkLst>
+        <pc:spChg chg="mod">
+          <ac:chgData name="Harsh Modi" userId="9b11284f-2ff1-4f11-8d2e-728779c653c6" providerId="ADAL" clId="{ECE46D58-B7B5-4482-9F65-EDAD18A6F4F8}" dt="2021-08-18T06:32:04.517" v="451" actId="20577"/>
+          <ac:spMkLst>
+            <pc:docMk/>
+            <pc:sldMk cId="1180352724" sldId="262"/>
+            <ac:spMk id="2" creationId="{09BAAA82-BB69-4D0A-8E72-C441AF7D664D}"/>
+          </ac:spMkLst>
+        </pc:spChg>
+        <pc:spChg chg="mod">
+          <ac:chgData name="Harsh Modi" userId="9b11284f-2ff1-4f11-8d2e-728779c653c6" providerId="ADAL" clId="{ECE46D58-B7B5-4482-9F65-EDAD18A6F4F8}" dt="2021-08-18T06:45:34.467" v="897" actId="20577"/>
+          <ac:spMkLst>
+            <pc:docMk/>
+            <pc:sldMk cId="1180352724" sldId="262"/>
+            <ac:spMk id="3" creationId="{350F0F3B-9557-4E51-95A3-EDAAD34F5792}"/>
+          </ac:spMkLst>
+        </pc:spChg>
+      </pc:sldChg>
+      <pc:sldChg chg="modSp new mod">
+        <pc:chgData name="Harsh Modi" userId="9b11284f-2ff1-4f11-8d2e-728779c653c6" providerId="ADAL" clId="{ECE46D58-B7B5-4482-9F65-EDAD18A6F4F8}" dt="2021-08-18T06:47:24.447" v="987" actId="20577"/>
+        <pc:sldMkLst>
+          <pc:docMk/>
+          <pc:sldMk cId="657870839" sldId="263"/>
+        </pc:sldMkLst>
+        <pc:spChg chg="mod">
+          <ac:chgData name="Harsh Modi" userId="9b11284f-2ff1-4f11-8d2e-728779c653c6" providerId="ADAL" clId="{ECE46D58-B7B5-4482-9F65-EDAD18A6F4F8}" dt="2021-08-18T06:36:21.958" v="625" actId="20577"/>
+          <ac:spMkLst>
+            <pc:docMk/>
+            <pc:sldMk cId="657870839" sldId="263"/>
+            <ac:spMk id="2" creationId="{5FE54B05-E366-4E01-9F4E-238427891885}"/>
+          </ac:spMkLst>
+        </pc:spChg>
+        <pc:spChg chg="mod">
+          <ac:chgData name="Harsh Modi" userId="9b11284f-2ff1-4f11-8d2e-728779c653c6" providerId="ADAL" clId="{ECE46D58-B7B5-4482-9F65-EDAD18A6F4F8}" dt="2021-08-18T06:47:24.447" v="987" actId="20577"/>
+          <ac:spMkLst>
+            <pc:docMk/>
+            <pc:sldMk cId="657870839" sldId="263"/>
+            <ac:spMk id="3" creationId="{8B4BDFD0-DB33-441C-8676-52271D4BBB7E}"/>
+          </ac:spMkLst>
+        </pc:spChg>
+      </pc:sldChg>
+      <pc:sldChg chg="modSp new mod">
+        <pc:chgData name="Harsh Modi" userId="9b11284f-2ff1-4f11-8d2e-728779c653c6" providerId="ADAL" clId="{ECE46D58-B7B5-4482-9F65-EDAD18A6F4F8}" dt="2021-08-18T08:45:22.493" v="1944" actId="20577"/>
+        <pc:sldMkLst>
+          <pc:docMk/>
+          <pc:sldMk cId="1597610408" sldId="264"/>
+        </pc:sldMkLst>
+        <pc:spChg chg="mod">
+          <ac:chgData name="Harsh Modi" userId="9b11284f-2ff1-4f11-8d2e-728779c653c6" providerId="ADAL" clId="{ECE46D58-B7B5-4482-9F65-EDAD18A6F4F8}" dt="2021-08-18T06:48:23.348" v="1025" actId="20577"/>
+          <ac:spMkLst>
+            <pc:docMk/>
+            <pc:sldMk cId="1597610408" sldId="264"/>
+            <ac:spMk id="2" creationId="{C75EFABA-0735-4F06-8201-8E1C763447B2}"/>
+          </ac:spMkLst>
+        </pc:spChg>
+        <pc:spChg chg="mod">
+          <ac:chgData name="Harsh Modi" userId="9b11284f-2ff1-4f11-8d2e-728779c653c6" providerId="ADAL" clId="{ECE46D58-B7B5-4482-9F65-EDAD18A6F4F8}" dt="2021-08-18T08:45:22.493" v="1944" actId="20577"/>
+          <ac:spMkLst>
+            <pc:docMk/>
+            <pc:sldMk cId="1597610408" sldId="264"/>
+            <ac:spMk id="3" creationId="{B2B7E9BA-9A62-41FD-B354-6B6363577975}"/>
+          </ac:spMkLst>
+        </pc:spChg>
+      </pc:sldChg>
+      <pc:sldChg chg="modSp new mod">
+        <pc:chgData name="Harsh Modi" userId="9b11284f-2ff1-4f11-8d2e-728779c653c6" providerId="ADAL" clId="{ECE46D58-B7B5-4482-9F65-EDAD18A6F4F8}" dt="2021-08-18T08:47:57.684" v="2069" actId="20577"/>
+        <pc:sldMkLst>
+          <pc:docMk/>
+          <pc:sldMk cId="3625918693" sldId="265"/>
+        </pc:sldMkLst>
+        <pc:spChg chg="mod">
+          <ac:chgData name="Harsh Modi" userId="9b11284f-2ff1-4f11-8d2e-728779c653c6" providerId="ADAL" clId="{ECE46D58-B7B5-4482-9F65-EDAD18A6F4F8}" dt="2021-08-18T06:48:34.222" v="1046" actId="20577"/>
+          <ac:spMkLst>
+            <pc:docMk/>
+            <pc:sldMk cId="3625918693" sldId="265"/>
+            <ac:spMk id="2" creationId="{5F986C3A-7B12-4AC1-B0B7-AF219B1339C3}"/>
+          </ac:spMkLst>
+        </pc:spChg>
+        <pc:spChg chg="mod">
+          <ac:chgData name="Harsh Modi" userId="9b11284f-2ff1-4f11-8d2e-728779c653c6" providerId="ADAL" clId="{ECE46D58-B7B5-4482-9F65-EDAD18A6F4F8}" dt="2021-08-18T08:47:57.684" v="2069" actId="20577"/>
+          <ac:spMkLst>
+            <pc:docMk/>
+            <pc:sldMk cId="3625918693" sldId="265"/>
+            <ac:spMk id="3" creationId="{1AF4E516-A7F8-4AB4-A832-BF8CD09346F2}"/>
+          </ac:spMkLst>
+        </pc:spChg>
+      </pc:sldChg>
+      <pc:sldChg chg="modSp new mod">
+        <pc:chgData name="Harsh Modi" userId="9b11284f-2ff1-4f11-8d2e-728779c653c6" providerId="ADAL" clId="{ECE46D58-B7B5-4482-9F65-EDAD18A6F4F8}" dt="2021-08-18T08:49:49.414" v="2297" actId="20577"/>
+        <pc:sldMkLst>
+          <pc:docMk/>
+          <pc:sldMk cId="4156726668" sldId="266"/>
+        </pc:sldMkLst>
+        <pc:spChg chg="mod">
+          <ac:chgData name="Harsh Modi" userId="9b11284f-2ff1-4f11-8d2e-728779c653c6" providerId="ADAL" clId="{ECE46D58-B7B5-4482-9F65-EDAD18A6F4F8}" dt="2021-08-18T07:19:48.041" v="1220" actId="20577"/>
+          <ac:spMkLst>
+            <pc:docMk/>
+            <pc:sldMk cId="4156726668" sldId="266"/>
+            <ac:spMk id="2" creationId="{794BAB19-5F80-4DE6-8320-839316E3F717}"/>
+          </ac:spMkLst>
+        </pc:spChg>
+        <pc:spChg chg="mod">
+          <ac:chgData name="Harsh Modi" userId="9b11284f-2ff1-4f11-8d2e-728779c653c6" providerId="ADAL" clId="{ECE46D58-B7B5-4482-9F65-EDAD18A6F4F8}" dt="2021-08-18T08:49:49.414" v="2297" actId="20577"/>
+          <ac:spMkLst>
+            <pc:docMk/>
+            <pc:sldMk cId="4156726668" sldId="266"/>
+            <ac:spMk id="3" creationId="{C029933E-2C2B-44E6-A86F-395A9FC228FA}"/>
+          </ac:spMkLst>
+        </pc:spChg>
+      </pc:sldChg>
+      <pc:sldChg chg="modSp new mod">
+        <pc:chgData name="Harsh Modi" userId="9b11284f-2ff1-4f11-8d2e-728779c653c6" providerId="ADAL" clId="{ECE46D58-B7B5-4482-9F65-EDAD18A6F4F8}" dt="2021-08-18T08:48:39.499" v="2150" actId="20577"/>
+        <pc:sldMkLst>
+          <pc:docMk/>
+          <pc:sldMk cId="3781718352" sldId="267"/>
+        </pc:sldMkLst>
+        <pc:spChg chg="mod">
+          <ac:chgData name="Harsh Modi" userId="9b11284f-2ff1-4f11-8d2e-728779c653c6" providerId="ADAL" clId="{ECE46D58-B7B5-4482-9F65-EDAD18A6F4F8}" dt="2021-08-18T07:17:15.451" v="1078" actId="20577"/>
+          <ac:spMkLst>
+            <pc:docMk/>
+            <pc:sldMk cId="3781718352" sldId="267"/>
+            <ac:spMk id="2" creationId="{95219F7D-6CA7-4BA0-AB05-9406900622D1}"/>
+          </ac:spMkLst>
+        </pc:spChg>
+        <pc:spChg chg="mod">
+          <ac:chgData name="Harsh Modi" userId="9b11284f-2ff1-4f11-8d2e-728779c653c6" providerId="ADAL" clId="{ECE46D58-B7B5-4482-9F65-EDAD18A6F4F8}" dt="2021-08-18T08:48:39.499" v="2150" actId="20577"/>
+          <ac:spMkLst>
+            <pc:docMk/>
+            <pc:sldMk cId="3781718352" sldId="267"/>
+            <ac:spMk id="3" creationId="{0943D9AB-7D88-4265-99C9-2206B6746A5A}"/>
+          </ac:spMkLst>
+        </pc:spChg>
+      </pc:sldChg>
+      <pc:sldChg chg="modSp new mod">
+        <pc:chgData name="Harsh Modi" userId="9b11284f-2ff1-4f11-8d2e-728779c653c6" providerId="ADAL" clId="{ECE46D58-B7B5-4482-9F65-EDAD18A6F4F8}" dt="2021-08-18T07:43:24.047" v="1608" actId="20577"/>
+        <pc:sldMkLst>
+          <pc:docMk/>
+          <pc:sldMk cId="3154587183" sldId="268"/>
+        </pc:sldMkLst>
+        <pc:spChg chg="mod">
+          <ac:chgData name="Harsh Modi" userId="9b11284f-2ff1-4f11-8d2e-728779c653c6" providerId="ADAL" clId="{ECE46D58-B7B5-4482-9F65-EDAD18A6F4F8}" dt="2021-08-18T07:36:10.697" v="1343" actId="20577"/>
+          <ac:spMkLst>
+            <pc:docMk/>
+            <pc:sldMk cId="3154587183" sldId="268"/>
+            <ac:spMk id="2" creationId="{BAB0B08B-7363-4295-99C6-6ACCEEE36995}"/>
+          </ac:spMkLst>
+        </pc:spChg>
+        <pc:spChg chg="mod">
+          <ac:chgData name="Harsh Modi" userId="9b11284f-2ff1-4f11-8d2e-728779c653c6" providerId="ADAL" clId="{ECE46D58-B7B5-4482-9F65-EDAD18A6F4F8}" dt="2021-08-18T07:43:24.047" v="1608" actId="20577"/>
+          <ac:spMkLst>
+            <pc:docMk/>
+            <pc:sldMk cId="3154587183" sldId="268"/>
+            <ac:spMk id="3" creationId="{700FC059-FE62-4951-89BC-A0B90322AE6A}"/>
+          </ac:spMkLst>
+        </pc:spChg>
+      </pc:sldChg>
+      <pc:sldChg chg="modSp new mod">
+        <pc:chgData name="Harsh Modi" userId="9b11284f-2ff1-4f11-8d2e-728779c653c6" providerId="ADAL" clId="{ECE46D58-B7B5-4482-9F65-EDAD18A6F4F8}" dt="2021-08-18T08:24:09.057" v="1677" actId="20577"/>
+        <pc:sldMkLst>
+          <pc:docMk/>
+          <pc:sldMk cId="2498611180" sldId="269"/>
+        </pc:sldMkLst>
+        <pc:spChg chg="mod">
+          <ac:chgData name="Harsh Modi" userId="9b11284f-2ff1-4f11-8d2e-728779c653c6" providerId="ADAL" clId="{ECE46D58-B7B5-4482-9F65-EDAD18A6F4F8}" dt="2021-08-18T08:23:45.476" v="1631" actId="20577"/>
+          <ac:spMkLst>
+            <pc:docMk/>
+            <pc:sldMk cId="2498611180" sldId="269"/>
+            <ac:spMk id="2" creationId="{1C416187-75F8-4A42-8634-88BFBD522AED}"/>
+          </ac:spMkLst>
+        </pc:spChg>
+        <pc:spChg chg="mod">
+          <ac:chgData name="Harsh Modi" userId="9b11284f-2ff1-4f11-8d2e-728779c653c6" providerId="ADAL" clId="{ECE46D58-B7B5-4482-9F65-EDAD18A6F4F8}" dt="2021-08-18T08:24:09.057" v="1677" actId="20577"/>
+          <ac:spMkLst>
+            <pc:docMk/>
+            <pc:sldMk cId="2498611180" sldId="269"/>
+            <ac:spMk id="3" creationId="{B5CA132A-5A4C-4638-A61A-3FC65F0C86BD}"/>
+          </ac:spMkLst>
+        </pc:spChg>
+      </pc:sldChg>
+      <pc:sldChg chg="modSp new mod">
+        <pc:chgData name="Harsh Modi" userId="9b11284f-2ff1-4f11-8d2e-728779c653c6" providerId="ADAL" clId="{ECE46D58-B7B5-4482-9F65-EDAD18A6F4F8}" dt="2021-08-18T08:55:40.057" v="2335" actId="20577"/>
+        <pc:sldMkLst>
+          <pc:docMk/>
+          <pc:sldMk cId="2604529835" sldId="270"/>
+        </pc:sldMkLst>
+        <pc:spChg chg="mod">
+          <ac:chgData name="Harsh Modi" userId="9b11284f-2ff1-4f11-8d2e-728779c653c6" providerId="ADAL" clId="{ECE46D58-B7B5-4482-9F65-EDAD18A6F4F8}" dt="2021-08-18T08:55:27.374" v="2318" actId="20577"/>
+          <ac:spMkLst>
+            <pc:docMk/>
+            <pc:sldMk cId="2604529835" sldId="270"/>
+            <ac:spMk id="2" creationId="{FA5C45A5-AD2E-496B-8269-C1624D4BAE47}"/>
+          </ac:spMkLst>
+        </pc:spChg>
+        <pc:spChg chg="mod">
+          <ac:chgData name="Harsh Modi" userId="9b11284f-2ff1-4f11-8d2e-728779c653c6" providerId="ADAL" clId="{ECE46D58-B7B5-4482-9F65-EDAD18A6F4F8}" dt="2021-08-18T08:55:40.057" v="2335" actId="20577"/>
+          <ac:spMkLst>
+            <pc:docMk/>
+            <pc:sldMk cId="2604529835" sldId="270"/>
+            <ac:spMk id="3" creationId="{77F527DB-6133-4F01-B7FB-2DCAA262FE10}"/>
+          </ac:spMkLst>
+        </pc:spChg>
+      </pc:sldChg>
+      <pc:sldChg chg="addSp modSp new mod setBg">
+        <pc:chgData name="Harsh Modi" userId="9b11284f-2ff1-4f11-8d2e-728779c653c6" providerId="ADAL" clId="{ECE46D58-B7B5-4482-9F65-EDAD18A6F4F8}" dt="2021-08-18T08:57:38.015" v="2363" actId="26606"/>
+        <pc:sldMkLst>
+          <pc:docMk/>
+          <pc:sldMk cId="2251694311" sldId="271"/>
+        </pc:sldMkLst>
+        <pc:spChg chg="mod">
+          <ac:chgData name="Harsh Modi" userId="9b11284f-2ff1-4f11-8d2e-728779c653c6" providerId="ADAL" clId="{ECE46D58-B7B5-4482-9F65-EDAD18A6F4F8}" dt="2021-08-18T08:57:38.015" v="2363" actId="26606"/>
+          <ac:spMkLst>
+            <pc:docMk/>
+            <pc:sldMk cId="2251694311" sldId="271"/>
+            <ac:spMk id="2" creationId="{AD9BCFAB-6914-4DDC-A160-79DBAE9D33C0}"/>
+          </ac:spMkLst>
+        </pc:spChg>
+        <pc:spChg chg="add">
+          <ac:chgData name="Harsh Modi" userId="9b11284f-2ff1-4f11-8d2e-728779c653c6" providerId="ADAL" clId="{ECE46D58-B7B5-4482-9F65-EDAD18A6F4F8}" dt="2021-08-18T08:57:38.015" v="2363" actId="26606"/>
+          <ac:spMkLst>
+            <pc:docMk/>
+            <pc:sldMk cId="2251694311" sldId="271"/>
+            <ac:spMk id="71" creationId="{A6EF5A53-0A64-4CA5-B9C7-1CB97CB5CF1C}"/>
+          </ac:spMkLst>
+        </pc:spChg>
+        <pc:spChg chg="add">
+          <ac:chgData name="Harsh Modi" userId="9b11284f-2ff1-4f11-8d2e-728779c653c6" providerId="ADAL" clId="{ECE46D58-B7B5-4482-9F65-EDAD18A6F4F8}" dt="2021-08-18T08:57:38.015" v="2363" actId="26606"/>
+          <ac:spMkLst>
+            <pc:docMk/>
+            <pc:sldMk cId="2251694311" sldId="271"/>
+            <ac:spMk id="73" creationId="{34ABFBEA-4EB0-4D02-A2C0-1733CD3D6F12}"/>
+          </ac:spMkLst>
+        </pc:spChg>
+        <pc:spChg chg="add">
+          <ac:chgData name="Harsh Modi" userId="9b11284f-2ff1-4f11-8d2e-728779c653c6" providerId="ADAL" clId="{ECE46D58-B7B5-4482-9F65-EDAD18A6F4F8}" dt="2021-08-18T08:57:38.015" v="2363" actId="26606"/>
+          <ac:spMkLst>
+            <pc:docMk/>
+            <pc:sldMk cId="2251694311" sldId="271"/>
+            <ac:spMk id="75" creationId="{19E083F6-57F4-487B-A766-EA0462B1EED8}"/>
+          </ac:spMkLst>
+        </pc:spChg>
+        <pc:spChg chg="add">
+          <ac:chgData name="Harsh Modi" userId="9b11284f-2ff1-4f11-8d2e-728779c653c6" providerId="ADAL" clId="{ECE46D58-B7B5-4482-9F65-EDAD18A6F4F8}" dt="2021-08-18T08:57:38.015" v="2363" actId="26606"/>
+          <ac:spMkLst>
+            <pc:docMk/>
+            <pc:sldMk cId="2251694311" sldId="271"/>
+            <ac:spMk id="77" creationId="{665A5CBD-5BDA-4345-915C-718F0E585911}"/>
+          </ac:spMkLst>
+        </pc:spChg>
+        <pc:spChg chg="add">
+          <ac:chgData name="Harsh Modi" userId="9b11284f-2ff1-4f11-8d2e-728779c653c6" providerId="ADAL" clId="{ECE46D58-B7B5-4482-9F65-EDAD18A6F4F8}" dt="2021-08-18T08:57:38.015" v="2363" actId="26606"/>
+          <ac:spMkLst>
+            <pc:docMk/>
+            <pc:sldMk cId="2251694311" sldId="271"/>
+            <ac:spMk id="79" creationId="{B477D3A6-687D-4361-9296-DE87DD334BA0}"/>
+          </ac:spMkLst>
+        </pc:spChg>
+        <pc:spChg chg="add">
+          <ac:chgData name="Harsh Modi" userId="9b11284f-2ff1-4f11-8d2e-728779c653c6" providerId="ADAL" clId="{ECE46D58-B7B5-4482-9F65-EDAD18A6F4F8}" dt="2021-08-18T08:57:38.015" v="2363" actId="26606"/>
+          <ac:spMkLst>
+            <pc:docMk/>
+            <pc:sldMk cId="2251694311" sldId="271"/>
+            <ac:spMk id="81" creationId="{11DDE813-EC85-43AC-97E8-924708921161}"/>
+          </ac:spMkLst>
+        </pc:spChg>
+        <pc:spChg chg="add">
+          <ac:chgData name="Harsh Modi" userId="9b11284f-2ff1-4f11-8d2e-728779c653c6" providerId="ADAL" clId="{ECE46D58-B7B5-4482-9F65-EDAD18A6F4F8}" dt="2021-08-18T08:57:38.015" v="2363" actId="26606"/>
+          <ac:spMkLst>
+            <pc:docMk/>
+            <pc:sldMk cId="2251694311" sldId="271"/>
+            <ac:spMk id="83" creationId="{D3EC99D5-86FA-4CD7-95CF-B41FC946A1E8}"/>
+          </ac:spMkLst>
+        </pc:spChg>
+        <pc:picChg chg="add mod ord">
+          <ac:chgData name="Harsh Modi" userId="9b11284f-2ff1-4f11-8d2e-728779c653c6" providerId="ADAL" clId="{ECE46D58-B7B5-4482-9F65-EDAD18A6F4F8}" dt="2021-08-18T08:57:38.015" v="2363" actId="26606"/>
+          <ac:picMkLst>
+            <pc:docMk/>
+            <pc:sldMk cId="2251694311" sldId="271"/>
+            <ac:picMk id="4" creationId="{989AABC3-9BA5-4180-88BD-D0111038DB79}"/>
+          </ac:picMkLst>
+        </pc:picChg>
+        <pc:picChg chg="add mod">
+          <ac:chgData name="Harsh Modi" userId="9b11284f-2ff1-4f11-8d2e-728779c653c6" providerId="ADAL" clId="{ECE46D58-B7B5-4482-9F65-EDAD18A6F4F8}" dt="2021-08-18T08:57:38.015" v="2363" actId="26606"/>
+          <ac:picMkLst>
+            <pc:docMk/>
+            <pc:sldMk cId="2251694311" sldId="271"/>
+            <ac:picMk id="1026" creationId="{11AEAA78-7B34-470D-BE0D-8BDF7A411B9D}"/>
+          </ac:picMkLst>
+        </pc:picChg>
+      </pc:sldChg>
+      <pc:sldMasterChg chg="add del addSldLayout delSldLayout">
+        <pc:chgData name="Harsh Modi" userId="9b11284f-2ff1-4f11-8d2e-728779c653c6" providerId="ADAL" clId="{ECE46D58-B7B5-4482-9F65-EDAD18A6F4F8}" dt="2021-08-17T23:45:40.157" v="8" actId="26606"/>
+        <pc:sldMasterMkLst>
+          <pc:docMk/>
+          <pc:sldMasterMk cId="315096139" sldId="2147483648"/>
+        </pc:sldMasterMkLst>
+        <pc:sldLayoutChg chg="add del">
+          <pc:chgData name="Harsh Modi" userId="9b11284f-2ff1-4f11-8d2e-728779c653c6" providerId="ADAL" clId="{ECE46D58-B7B5-4482-9F65-EDAD18A6F4F8}" dt="2021-08-17T23:45:40.157" v="8" actId="26606"/>
+          <pc:sldLayoutMkLst>
+            <pc:docMk/>
+            <pc:sldMasterMk cId="315096139" sldId="2147483648"/>
+            <pc:sldLayoutMk cId="129103968" sldId="2147483649"/>
+          </pc:sldLayoutMkLst>
+        </pc:sldLayoutChg>
+        <pc:sldLayoutChg chg="add del">
+          <pc:chgData name="Harsh Modi" userId="9b11284f-2ff1-4f11-8d2e-728779c653c6" providerId="ADAL" clId="{ECE46D58-B7B5-4482-9F65-EDAD18A6F4F8}" dt="2021-08-17T23:45:40.157" v="8" actId="26606"/>
+          <pc:sldLayoutMkLst>
+            <pc:docMk/>
+            <pc:sldMasterMk cId="315096139" sldId="2147483648"/>
+            <pc:sldLayoutMk cId="2338240842" sldId="2147483650"/>
+          </pc:sldLayoutMkLst>
+        </pc:sldLayoutChg>
+        <pc:sldLayoutChg chg="add del">
+          <pc:chgData name="Harsh Modi" userId="9b11284f-2ff1-4f11-8d2e-728779c653c6" providerId="ADAL" clId="{ECE46D58-B7B5-4482-9F65-EDAD18A6F4F8}" dt="2021-08-17T23:45:40.157" v="8" actId="26606"/>
+          <pc:sldLayoutMkLst>
+            <pc:docMk/>
+            <pc:sldMasterMk cId="315096139" sldId="2147483648"/>
+            <pc:sldLayoutMk cId="805271671" sldId="2147483651"/>
+          </pc:sldLayoutMkLst>
+        </pc:sldLayoutChg>
+        <pc:sldLayoutChg chg="add del">
+          <pc:chgData name="Harsh Modi" userId="9b11284f-2ff1-4f11-8d2e-728779c653c6" providerId="ADAL" clId="{ECE46D58-B7B5-4482-9F65-EDAD18A6F4F8}" dt="2021-08-17T23:45:40.157" v="8" actId="26606"/>
+          <pc:sldLayoutMkLst>
+            <pc:docMk/>
+            <pc:sldMasterMk cId="315096139" sldId="2147483648"/>
+            <pc:sldLayoutMk cId="3863472788" sldId="2147483652"/>
+          </pc:sldLayoutMkLst>
+        </pc:sldLayoutChg>
+        <pc:sldLayoutChg chg="add del">
+          <pc:chgData name="Harsh Modi" userId="9b11284f-2ff1-4f11-8d2e-728779c653c6" providerId="ADAL" clId="{ECE46D58-B7B5-4482-9F65-EDAD18A6F4F8}" dt="2021-08-17T23:45:40.157" v="8" actId="26606"/>
+          <pc:sldLayoutMkLst>
+            <pc:docMk/>
+            <pc:sldMasterMk cId="315096139" sldId="2147483648"/>
+            <pc:sldLayoutMk cId="2096553395" sldId="2147483653"/>
+          </pc:sldLayoutMkLst>
+        </pc:sldLayoutChg>
+        <pc:sldLayoutChg chg="add del">
+          <pc:chgData name="Harsh Modi" userId="9b11284f-2ff1-4f11-8d2e-728779c653c6" providerId="ADAL" clId="{ECE46D58-B7B5-4482-9F65-EDAD18A6F4F8}" dt="2021-08-17T23:45:40.157" v="8" actId="26606"/>
+          <pc:sldLayoutMkLst>
+            <pc:docMk/>
+            <pc:sldMasterMk cId="315096139" sldId="2147483648"/>
+            <pc:sldLayoutMk cId="4073700470" sldId="2147483654"/>
+          </pc:sldLayoutMkLst>
+        </pc:sldLayoutChg>
+        <pc:sldLayoutChg chg="add del">
+          <pc:chgData name="Harsh Modi" userId="9b11284f-2ff1-4f11-8d2e-728779c653c6" providerId="ADAL" clId="{ECE46D58-B7B5-4482-9F65-EDAD18A6F4F8}" dt="2021-08-17T23:45:40.157" v="8" actId="26606"/>
+          <pc:sldLayoutMkLst>
+            <pc:docMk/>
+            <pc:sldMasterMk cId="315096139" sldId="2147483648"/>
+            <pc:sldLayoutMk cId="3024154597" sldId="2147483655"/>
+          </pc:sldLayoutMkLst>
+        </pc:sldLayoutChg>
+        <pc:sldLayoutChg chg="add del">
+          <pc:chgData name="Harsh Modi" userId="9b11284f-2ff1-4f11-8d2e-728779c653c6" providerId="ADAL" clId="{ECE46D58-B7B5-4482-9F65-EDAD18A6F4F8}" dt="2021-08-17T23:45:40.157" v="8" actId="26606"/>
+          <pc:sldLayoutMkLst>
+            <pc:docMk/>
+            <pc:sldMasterMk cId="315096139" sldId="2147483648"/>
+            <pc:sldLayoutMk cId="348181423" sldId="2147483656"/>
+          </pc:sldLayoutMkLst>
+        </pc:sldLayoutChg>
+        <pc:sldLayoutChg chg="add del">
+          <pc:chgData name="Harsh Modi" userId="9b11284f-2ff1-4f11-8d2e-728779c653c6" providerId="ADAL" clId="{ECE46D58-B7B5-4482-9F65-EDAD18A6F4F8}" dt="2021-08-17T23:45:40.157" v="8" actId="26606"/>
+          <pc:sldLayoutMkLst>
+            <pc:docMk/>
+            <pc:sldMasterMk cId="315096139" sldId="2147483648"/>
+            <pc:sldLayoutMk cId="1975486601" sldId="2147483657"/>
+          </pc:sldLayoutMkLst>
+        </pc:sldLayoutChg>
+        <pc:sldLayoutChg chg="add del">
+          <pc:chgData name="Harsh Modi" userId="9b11284f-2ff1-4f11-8d2e-728779c653c6" providerId="ADAL" clId="{ECE46D58-B7B5-4482-9F65-EDAD18A6F4F8}" dt="2021-08-17T23:45:40.157" v="8" actId="26606"/>
+          <pc:sldLayoutMkLst>
+            <pc:docMk/>
+            <pc:sldMasterMk cId="315096139" sldId="2147483648"/>
+            <pc:sldLayoutMk cId="4172225087" sldId="2147483658"/>
+          </pc:sldLayoutMkLst>
+        </pc:sldLayoutChg>
+        <pc:sldLayoutChg chg="add del">
+          <pc:chgData name="Harsh Modi" userId="9b11284f-2ff1-4f11-8d2e-728779c653c6" providerId="ADAL" clId="{ECE46D58-B7B5-4482-9F65-EDAD18A6F4F8}" dt="2021-08-17T23:45:40.157" v="8" actId="26606"/>
+          <pc:sldLayoutMkLst>
+            <pc:docMk/>
+            <pc:sldMasterMk cId="315096139" sldId="2147483648"/>
+            <pc:sldLayoutMk cId="2551644540" sldId="2147483659"/>
+          </pc:sldLayoutMkLst>
+        </pc:sldLayoutChg>
+      </pc:sldMasterChg>
+      <pc:sldMasterChg chg="add del replId addSldLayout delSldLayout">
+        <pc:chgData name="Harsh Modi" userId="9b11284f-2ff1-4f11-8d2e-728779c653c6" providerId="ADAL" clId="{ECE46D58-B7B5-4482-9F65-EDAD18A6F4F8}" dt="2021-08-17T23:45:40.102" v="7" actId="26606"/>
+        <pc:sldMasterMkLst>
+          <pc:docMk/>
+          <pc:sldMasterMk cId="1842180727" sldId="2147483660"/>
+        </pc:sldMasterMkLst>
+        <pc:sldLayoutChg chg="add del">
+          <pc:chgData name="Harsh Modi" userId="9b11284f-2ff1-4f11-8d2e-728779c653c6" providerId="ADAL" clId="{ECE46D58-B7B5-4482-9F65-EDAD18A6F4F8}" dt="2021-08-17T23:45:40.102" v="7" actId="26606"/>
+          <pc:sldLayoutMkLst>
+            <pc:docMk/>
+            <pc:sldMasterMk cId="1842180727" sldId="2147483660"/>
+            <pc:sldLayoutMk cId="1195937951" sldId="2147483661"/>
+          </pc:sldLayoutMkLst>
+        </pc:sldLayoutChg>
+        <pc:sldLayoutChg chg="add del replId">
+          <pc:chgData name="Harsh Modi" userId="9b11284f-2ff1-4f11-8d2e-728779c653c6" providerId="ADAL" clId="{ECE46D58-B7B5-4482-9F65-EDAD18A6F4F8}" dt="2021-08-17T23:45:40.102" v="7" actId="26606"/>
+          <pc:sldLayoutMkLst>
+            <pc:docMk/>
+            <pc:sldMasterMk cId="1842180727" sldId="2147483660"/>
+            <pc:sldLayoutMk cId="2310474375" sldId="2147483662"/>
+          </pc:sldLayoutMkLst>
+        </pc:sldLayoutChg>
+        <pc:sldLayoutChg chg="add del replId">
+          <pc:chgData name="Harsh Modi" userId="9b11284f-2ff1-4f11-8d2e-728779c653c6" providerId="ADAL" clId="{ECE46D58-B7B5-4482-9F65-EDAD18A6F4F8}" dt="2021-08-17T23:45:40.102" v="7" actId="26606"/>
+          <pc:sldLayoutMkLst>
+            <pc:docMk/>
+            <pc:sldMasterMk cId="1842180727" sldId="2147483660"/>
+            <pc:sldLayoutMk cId="1097035326" sldId="2147483663"/>
+          </pc:sldLayoutMkLst>
+        </pc:sldLayoutChg>
+        <pc:sldLayoutChg chg="add del replId">
+          <pc:chgData name="Harsh Modi" userId="9b11284f-2ff1-4f11-8d2e-728779c653c6" providerId="ADAL" clId="{ECE46D58-B7B5-4482-9F65-EDAD18A6F4F8}" dt="2021-08-17T23:45:40.102" v="7" actId="26606"/>
+          <pc:sldLayoutMkLst>
+            <pc:docMk/>
+            <pc:sldMasterMk cId="1842180727" sldId="2147483660"/>
+            <pc:sldLayoutMk cId="874303620" sldId="2147483664"/>
+          </pc:sldLayoutMkLst>
+        </pc:sldLayoutChg>
+        <pc:sldLayoutChg chg="add del replId">
+          <pc:chgData name="Harsh Modi" userId="9b11284f-2ff1-4f11-8d2e-728779c653c6" providerId="ADAL" clId="{ECE46D58-B7B5-4482-9F65-EDAD18A6F4F8}" dt="2021-08-17T23:45:40.102" v="7" actId="26606"/>
+          <pc:sldLayoutMkLst>
+            <pc:docMk/>
+            <pc:sldMasterMk cId="1842180727" sldId="2147483660"/>
+            <pc:sldLayoutMk cId="3366411554" sldId="2147483665"/>
+          </pc:sldLayoutMkLst>
+        </pc:sldLayoutChg>
+        <pc:sldLayoutChg chg="add del replId">
+          <pc:chgData name="Harsh Modi" userId="9b11284f-2ff1-4f11-8d2e-728779c653c6" providerId="ADAL" clId="{ECE46D58-B7B5-4482-9F65-EDAD18A6F4F8}" dt="2021-08-17T23:45:40.102" v="7" actId="26606"/>
+          <pc:sldLayoutMkLst>
+            <pc:docMk/>
+            <pc:sldMasterMk cId="1842180727" sldId="2147483660"/>
+            <pc:sldLayoutMk cId="3325224207" sldId="2147483666"/>
+          </pc:sldLayoutMkLst>
+        </pc:sldLayoutChg>
+        <pc:sldLayoutChg chg="add del replId">
+          <pc:chgData name="Harsh Modi" userId="9b11284f-2ff1-4f11-8d2e-728779c653c6" providerId="ADAL" clId="{ECE46D58-B7B5-4482-9F65-EDAD18A6F4F8}" dt="2021-08-17T23:45:40.102" v="7" actId="26606"/>
+          <pc:sldLayoutMkLst>
+            <pc:docMk/>
+            <pc:sldMasterMk cId="1842180727" sldId="2147483660"/>
+            <pc:sldLayoutMk cId="3288325996" sldId="2147483667"/>
+          </pc:sldLayoutMkLst>
+        </pc:sldLayoutChg>
+        <pc:sldLayoutChg chg="add del replId">
+          <pc:chgData name="Harsh Modi" userId="9b11284f-2ff1-4f11-8d2e-728779c653c6" providerId="ADAL" clId="{ECE46D58-B7B5-4482-9F65-EDAD18A6F4F8}" dt="2021-08-17T23:45:40.102" v="7" actId="26606"/>
+          <pc:sldLayoutMkLst>
+            <pc:docMk/>
+            <pc:sldMasterMk cId="1842180727" sldId="2147483660"/>
+            <pc:sldLayoutMk cId="1951562975" sldId="2147483668"/>
+          </pc:sldLayoutMkLst>
+        </pc:sldLayoutChg>
+        <pc:sldLayoutChg chg="add del replId">
+          <pc:chgData name="Harsh Modi" userId="9b11284f-2ff1-4f11-8d2e-728779c653c6" providerId="ADAL" clId="{ECE46D58-B7B5-4482-9F65-EDAD18A6F4F8}" dt="2021-08-17T23:45:40.102" v="7" actId="26606"/>
+          <pc:sldLayoutMkLst>
+            <pc:docMk/>
+            <pc:sldMasterMk cId="1842180727" sldId="2147483660"/>
+            <pc:sldLayoutMk cId="2243520745" sldId="2147483669"/>
+          </pc:sldLayoutMkLst>
+        </pc:sldLayoutChg>
+        <pc:sldLayoutChg chg="add del replId">
+          <pc:chgData name="Harsh Modi" userId="9b11284f-2ff1-4f11-8d2e-728779c653c6" providerId="ADAL" clId="{ECE46D58-B7B5-4482-9F65-EDAD18A6F4F8}" dt="2021-08-17T23:45:40.102" v="7" actId="26606"/>
+          <pc:sldLayoutMkLst>
+            <pc:docMk/>
+            <pc:sldMasterMk cId="1842180727" sldId="2147483660"/>
+            <pc:sldLayoutMk cId="2887146180" sldId="2147483670"/>
+          </pc:sldLayoutMkLst>
+        </pc:sldLayoutChg>
+        <pc:sldLayoutChg chg="add del replId">
+          <pc:chgData name="Harsh Modi" userId="9b11284f-2ff1-4f11-8d2e-728779c653c6" providerId="ADAL" clId="{ECE46D58-B7B5-4482-9F65-EDAD18A6F4F8}" dt="2021-08-17T23:45:40.102" v="7" actId="26606"/>
+          <pc:sldLayoutMkLst>
+            <pc:docMk/>
+            <pc:sldMasterMk cId="1842180727" sldId="2147483660"/>
+            <pc:sldLayoutMk cId="1358276574" sldId="2147483671"/>
+          </pc:sldLayoutMkLst>
+        </pc:sldLayoutChg>
+      </pc:sldMasterChg>
+      <pc:sldMasterChg chg="add del addSldLayout delSldLayout">
+        <pc:chgData name="Harsh Modi" userId="9b11284f-2ff1-4f11-8d2e-728779c653c6" providerId="ADAL" clId="{ECE46D58-B7B5-4482-9F65-EDAD18A6F4F8}" dt="2021-08-17T23:45:40.157" v="8" actId="26606"/>
+        <pc:sldMasterMkLst>
+          <pc:docMk/>
+          <pc:sldMasterMk cId="2624384945" sldId="2147483673"/>
+        </pc:sldMasterMkLst>
+        <pc:sldLayoutChg chg="add del">
+          <pc:chgData name="Harsh Modi" userId="9b11284f-2ff1-4f11-8d2e-728779c653c6" providerId="ADAL" clId="{ECE46D58-B7B5-4482-9F65-EDAD18A6F4F8}" dt="2021-08-17T23:45:40.157" v="8" actId="26606"/>
+          <pc:sldLayoutMkLst>
+            <pc:docMk/>
+            <pc:sldMasterMk cId="2624384945" sldId="2147483673"/>
+            <pc:sldLayoutMk cId="1607384279" sldId="2147483662"/>
+          </pc:sldLayoutMkLst>
+        </pc:sldLayoutChg>
+        <pc:sldLayoutChg chg="add del">
+          <pc:chgData name="Harsh Modi" userId="9b11284f-2ff1-4f11-8d2e-728779c653c6" providerId="ADAL" clId="{ECE46D58-B7B5-4482-9F65-EDAD18A6F4F8}" dt="2021-08-17T23:45:40.157" v="8" actId="26606"/>
+          <pc:sldLayoutMkLst>
+            <pc:docMk/>
+            <pc:sldMasterMk cId="2624384945" sldId="2147483673"/>
+            <pc:sldLayoutMk cId="3197194264" sldId="2147483663"/>
+          </pc:sldLayoutMkLst>
+        </pc:sldLayoutChg>
+        <pc:sldLayoutChg chg="add del">
+          <pc:chgData name="Harsh Modi" userId="9b11284f-2ff1-4f11-8d2e-728779c653c6" providerId="ADAL" clId="{ECE46D58-B7B5-4482-9F65-EDAD18A6F4F8}" dt="2021-08-17T23:45:40.157" v="8" actId="26606"/>
+          <pc:sldLayoutMkLst>
+            <pc:docMk/>
+            <pc:sldMasterMk cId="2624384945" sldId="2147483673"/>
+            <pc:sldLayoutMk cId="1096656667" sldId="2147483664"/>
+          </pc:sldLayoutMkLst>
+        </pc:sldLayoutChg>
+        <pc:sldLayoutChg chg="add del">
+          <pc:chgData name="Harsh Modi" userId="9b11284f-2ff1-4f11-8d2e-728779c653c6" providerId="ADAL" clId="{ECE46D58-B7B5-4482-9F65-EDAD18A6F4F8}" dt="2021-08-17T23:45:40.157" v="8" actId="26606"/>
+          <pc:sldLayoutMkLst>
+            <pc:docMk/>
+            <pc:sldMasterMk cId="2624384945" sldId="2147483673"/>
+            <pc:sldLayoutMk cId="2545751292" sldId="2147483665"/>
+          </pc:sldLayoutMkLst>
+        </pc:sldLayoutChg>
+        <pc:sldLayoutChg chg="add del">
+          <pc:chgData name="Harsh Modi" userId="9b11284f-2ff1-4f11-8d2e-728779c653c6" providerId="ADAL" clId="{ECE46D58-B7B5-4482-9F65-EDAD18A6F4F8}" dt="2021-08-17T23:45:40.157" v="8" actId="26606"/>
+          <pc:sldLayoutMkLst>
+            <pc:docMk/>
+            <pc:sldMasterMk cId="2624384945" sldId="2147483673"/>
+            <pc:sldLayoutMk cId="813513181" sldId="2147483666"/>
+          </pc:sldLayoutMkLst>
+        </pc:sldLayoutChg>
+        <pc:sldLayoutChg chg="add del">
+          <pc:chgData name="Harsh Modi" userId="9b11284f-2ff1-4f11-8d2e-728779c653c6" providerId="ADAL" clId="{ECE46D58-B7B5-4482-9F65-EDAD18A6F4F8}" dt="2021-08-17T23:45:40.157" v="8" actId="26606"/>
+          <pc:sldLayoutMkLst>
+            <pc:docMk/>
+            <pc:sldMasterMk cId="2624384945" sldId="2147483673"/>
+            <pc:sldLayoutMk cId="3765040998" sldId="2147483667"/>
+          </pc:sldLayoutMkLst>
+        </pc:sldLayoutChg>
+        <pc:sldLayoutChg chg="add del">
+          <pc:chgData name="Harsh Modi" userId="9b11284f-2ff1-4f11-8d2e-728779c653c6" providerId="ADAL" clId="{ECE46D58-B7B5-4482-9F65-EDAD18A6F4F8}" dt="2021-08-17T23:45:40.157" v="8" actId="26606"/>
+          <pc:sldLayoutMkLst>
+            <pc:docMk/>
+            <pc:sldMasterMk cId="2624384945" sldId="2147483673"/>
+            <pc:sldLayoutMk cId="3287832834" sldId="2147483668"/>
+          </pc:sldLayoutMkLst>
+        </pc:sldLayoutChg>
+        <pc:sldLayoutChg chg="add del">
+          <pc:chgData name="Harsh Modi" userId="9b11284f-2ff1-4f11-8d2e-728779c653c6" providerId="ADAL" clId="{ECE46D58-B7B5-4482-9F65-EDAD18A6F4F8}" dt="2021-08-17T23:45:40.157" v="8" actId="26606"/>
+          <pc:sldLayoutMkLst>
+            <pc:docMk/>
+            <pc:sldMasterMk cId="2624384945" sldId="2147483673"/>
+            <pc:sldLayoutMk cId="3984872820" sldId="2147483669"/>
+          </pc:sldLayoutMkLst>
+        </pc:sldLayoutChg>
+        <pc:sldLayoutChg chg="add del">
+          <pc:chgData name="Harsh Modi" userId="9b11284f-2ff1-4f11-8d2e-728779c653c6" providerId="ADAL" clId="{ECE46D58-B7B5-4482-9F65-EDAD18A6F4F8}" dt="2021-08-17T23:45:40.157" v="8" actId="26606"/>
+          <pc:sldLayoutMkLst>
+            <pc:docMk/>
+            <pc:sldMasterMk cId="2624384945" sldId="2147483673"/>
+            <pc:sldLayoutMk cId="2542787510" sldId="2147483670"/>
+          </pc:sldLayoutMkLst>
+        </pc:sldLayoutChg>
+        <pc:sldLayoutChg chg="add del">
+          <pc:chgData name="Harsh Modi" userId="9b11284f-2ff1-4f11-8d2e-728779c653c6" providerId="ADAL" clId="{ECE46D58-B7B5-4482-9F65-EDAD18A6F4F8}" dt="2021-08-17T23:45:40.157" v="8" actId="26606"/>
+          <pc:sldLayoutMkLst>
+            <pc:docMk/>
+            <pc:sldMasterMk cId="2624384945" sldId="2147483673"/>
+            <pc:sldLayoutMk cId="1160053567" sldId="2147483671"/>
+          </pc:sldLayoutMkLst>
+        </pc:sldLayoutChg>
+        <pc:sldLayoutChg chg="add del">
+          <pc:chgData name="Harsh Modi" userId="9b11284f-2ff1-4f11-8d2e-728779c653c6" providerId="ADAL" clId="{ECE46D58-B7B5-4482-9F65-EDAD18A6F4F8}" dt="2021-08-17T23:45:40.157" v="8" actId="26606"/>
+          <pc:sldLayoutMkLst>
+            <pc:docMk/>
+            <pc:sldMasterMk cId="2624384945" sldId="2147483673"/>
+            <pc:sldLayoutMk cId="2603101886" sldId="2147483672"/>
+          </pc:sldLayoutMkLst>
+        </pc:sldLayoutChg>
+      </pc:sldMasterChg>
+      <pc:sldMasterChg chg="del delSldLayout">
+        <pc:chgData name="Harsh Modi" userId="9b11284f-2ff1-4f11-8d2e-728779c653c6" providerId="ADAL" clId="{ECE46D58-B7B5-4482-9F65-EDAD18A6F4F8}" dt="2021-08-17T23:44:18.666" v="1" actId="26606"/>
+        <pc:sldMasterMkLst>
+          <pc:docMk/>
+          <pc:sldMasterMk cId="3252921821" sldId="2147483739"/>
+        </pc:sldMasterMkLst>
+        <pc:sldLayoutChg chg="del">
+          <pc:chgData name="Harsh Modi" userId="9b11284f-2ff1-4f11-8d2e-728779c653c6" providerId="ADAL" clId="{ECE46D58-B7B5-4482-9F65-EDAD18A6F4F8}" dt="2021-08-17T23:44:18.666" v="1" actId="26606"/>
+          <pc:sldLayoutMkLst>
+            <pc:docMk/>
+            <pc:sldMasterMk cId="3252921821" sldId="2147483739"/>
+            <pc:sldLayoutMk cId="2298420535" sldId="2147483728"/>
+          </pc:sldLayoutMkLst>
+        </pc:sldLayoutChg>
+        <pc:sldLayoutChg chg="del">
+          <pc:chgData name="Harsh Modi" userId="9b11284f-2ff1-4f11-8d2e-728779c653c6" providerId="ADAL" clId="{ECE46D58-B7B5-4482-9F65-EDAD18A6F4F8}" dt="2021-08-17T23:44:18.666" v="1" actId="26606"/>
+          <pc:sldLayoutMkLst>
+            <pc:docMk/>
+            <pc:sldMasterMk cId="3252921821" sldId="2147483739"/>
+            <pc:sldLayoutMk cId="2029247679" sldId="2147483729"/>
+          </pc:sldLayoutMkLst>
+        </pc:sldLayoutChg>
+        <pc:sldLayoutChg chg="del">
+          <pc:chgData name="Harsh Modi" userId="9b11284f-2ff1-4f11-8d2e-728779c653c6" providerId="ADAL" clId="{ECE46D58-B7B5-4482-9F65-EDAD18A6F4F8}" dt="2021-08-17T23:44:18.666" v="1" actId="26606"/>
+          <pc:sldLayoutMkLst>
+            <pc:docMk/>
+            <pc:sldMasterMk cId="3252921821" sldId="2147483739"/>
+            <pc:sldLayoutMk cId="2637885638" sldId="2147483730"/>
+          </pc:sldLayoutMkLst>
+        </pc:sldLayoutChg>
+        <pc:sldLayoutChg chg="del">
+          <pc:chgData name="Harsh Modi" userId="9b11284f-2ff1-4f11-8d2e-728779c653c6" providerId="ADAL" clId="{ECE46D58-B7B5-4482-9F65-EDAD18A6F4F8}" dt="2021-08-17T23:44:18.666" v="1" actId="26606"/>
+          <pc:sldLayoutMkLst>
+            <pc:docMk/>
+            <pc:sldMasterMk cId="3252921821" sldId="2147483739"/>
+            <pc:sldLayoutMk cId="2309715077" sldId="2147483731"/>
+          </pc:sldLayoutMkLst>
+        </pc:sldLayoutChg>
+        <pc:sldLayoutChg chg="del">
+          <pc:chgData name="Harsh Modi" userId="9b11284f-2ff1-4f11-8d2e-728779c653c6" providerId="ADAL" clId="{ECE46D58-B7B5-4482-9F65-EDAD18A6F4F8}" dt="2021-08-17T23:44:18.666" v="1" actId="26606"/>
+          <pc:sldLayoutMkLst>
+            <pc:docMk/>
+            <pc:sldMasterMk cId="3252921821" sldId="2147483739"/>
+            <pc:sldLayoutMk cId="3812892612" sldId="2147483732"/>
+          </pc:sldLayoutMkLst>
+        </pc:sldLayoutChg>
+        <pc:sldLayoutChg chg="del">
+          <pc:chgData name="Harsh Modi" userId="9b11284f-2ff1-4f11-8d2e-728779c653c6" providerId="ADAL" clId="{ECE46D58-B7B5-4482-9F65-EDAD18A6F4F8}" dt="2021-08-17T23:44:18.666" v="1" actId="26606"/>
+          <pc:sldLayoutMkLst>
+            <pc:docMk/>
+            <pc:sldMasterMk cId="3252921821" sldId="2147483739"/>
+            <pc:sldLayoutMk cId="711891550" sldId="2147483733"/>
+          </pc:sldLayoutMkLst>
+        </pc:sldLayoutChg>
+        <pc:sldLayoutChg chg="del">
+          <pc:chgData name="Harsh Modi" userId="9b11284f-2ff1-4f11-8d2e-728779c653c6" providerId="ADAL" clId="{ECE46D58-B7B5-4482-9F65-EDAD18A6F4F8}" dt="2021-08-17T23:44:18.666" v="1" actId="26606"/>
+          <pc:sldLayoutMkLst>
+            <pc:docMk/>
+            <pc:sldMasterMk cId="3252921821" sldId="2147483739"/>
+            <pc:sldLayoutMk cId="1580951838" sldId="2147483734"/>
+          </pc:sldLayoutMkLst>
+        </pc:sldLayoutChg>
+        <pc:sldLayoutChg chg="del">
+          <pc:chgData name="Harsh Modi" userId="9b11284f-2ff1-4f11-8d2e-728779c653c6" providerId="ADAL" clId="{ECE46D58-B7B5-4482-9F65-EDAD18A6F4F8}" dt="2021-08-17T23:44:18.666" v="1" actId="26606"/>
+          <pc:sldLayoutMkLst>
+            <pc:docMk/>
+            <pc:sldMasterMk cId="3252921821" sldId="2147483739"/>
+            <pc:sldLayoutMk cId="2940874574" sldId="2147483735"/>
+          </pc:sldLayoutMkLst>
+        </pc:sldLayoutChg>
+        <pc:sldLayoutChg chg="del">
+          <pc:chgData name="Harsh Modi" userId="9b11284f-2ff1-4f11-8d2e-728779c653c6" providerId="ADAL" clId="{ECE46D58-B7B5-4482-9F65-EDAD18A6F4F8}" dt="2021-08-17T23:44:18.666" v="1" actId="26606"/>
+          <pc:sldLayoutMkLst>
+            <pc:docMk/>
+            <pc:sldMasterMk cId="3252921821" sldId="2147483739"/>
+            <pc:sldLayoutMk cId="1803403485" sldId="2147483736"/>
+          </pc:sldLayoutMkLst>
+        </pc:sldLayoutChg>
+        <pc:sldLayoutChg chg="del">
+          <pc:chgData name="Harsh Modi" userId="9b11284f-2ff1-4f11-8d2e-728779c653c6" providerId="ADAL" clId="{ECE46D58-B7B5-4482-9F65-EDAD18A6F4F8}" dt="2021-08-17T23:44:18.666" v="1" actId="26606"/>
+          <pc:sldLayoutMkLst>
+            <pc:docMk/>
+            <pc:sldMasterMk cId="3252921821" sldId="2147483739"/>
+            <pc:sldLayoutMk cId="3003552544" sldId="2147483737"/>
+          </pc:sldLayoutMkLst>
+        </pc:sldLayoutChg>
+        <pc:sldLayoutChg chg="del">
+          <pc:chgData name="Harsh Modi" userId="9b11284f-2ff1-4f11-8d2e-728779c653c6" providerId="ADAL" clId="{ECE46D58-B7B5-4482-9F65-EDAD18A6F4F8}" dt="2021-08-17T23:44:18.666" v="1" actId="26606"/>
+          <pc:sldLayoutMkLst>
+            <pc:docMk/>
+            <pc:sldMasterMk cId="3252921821" sldId="2147483739"/>
+            <pc:sldLayoutMk cId="1033480801" sldId="2147483738"/>
+          </pc:sldLayoutMkLst>
+        </pc:sldLayoutChg>
+      </pc:sldMasterChg>
+    </pc:docChg>
+  </pc:docChgLst>
+  <pc:docChgLst>
+    <pc:chgData name="sp1d3r" userId="9b11284f-2ff1-4f11-8d2e-728779c653c6" providerId="ADAL" clId="{ECE46D58-B7B5-4482-9F65-EDAD18A6F4F8}"/>
+    <pc:docChg chg="custSel modSld">
+      <pc:chgData name="sp1d3r" userId="9b11284f-2ff1-4f11-8d2e-728779c653c6" providerId="ADAL" clId="{ECE46D58-B7B5-4482-9F65-EDAD18A6F4F8}" dt="2021-08-20T01:53:42.803" v="61" actId="20577"/>
+      <pc:docMkLst>
+        <pc:docMk/>
+      </pc:docMkLst>
+      <pc:sldChg chg="addSp delSp modSp mod setBg">
+        <pc:chgData name="sp1d3r" userId="9b11284f-2ff1-4f11-8d2e-728779c653c6" providerId="ADAL" clId="{ECE46D58-B7B5-4482-9F65-EDAD18A6F4F8}" dt="2021-08-19T23:51:46.553" v="17" actId="26606"/>
+        <pc:sldMkLst>
+          <pc:docMk/>
+          <pc:sldMk cId="696851034" sldId="258"/>
+        </pc:sldMkLst>
+        <pc:spChg chg="mod ord">
+          <ac:chgData name="sp1d3r" userId="9b11284f-2ff1-4f11-8d2e-728779c653c6" providerId="ADAL" clId="{ECE46D58-B7B5-4482-9F65-EDAD18A6F4F8}" dt="2021-08-19T23:51:46.553" v="17" actId="26606"/>
+          <ac:spMkLst>
+            <pc:docMk/>
+            <pc:sldMk cId="696851034" sldId="258"/>
+            <ac:spMk id="2" creationId="{FC1A85AB-8D9A-40E8-8D8A-5D28F7E570B7}"/>
+          </ac:spMkLst>
+        </pc:spChg>
+        <pc:spChg chg="mod">
+          <ac:chgData name="sp1d3r" userId="9b11284f-2ff1-4f11-8d2e-728779c653c6" providerId="ADAL" clId="{ECE46D58-B7B5-4482-9F65-EDAD18A6F4F8}" dt="2021-08-19T23:51:46.553" v="17" actId="26606"/>
+          <ac:spMkLst>
+            <pc:docMk/>
+            <pc:sldMk cId="696851034" sldId="258"/>
+            <ac:spMk id="3" creationId="{8B13700E-F0DA-40B4-AC69-698F36ACE440}"/>
+          </ac:spMkLst>
+        </pc:spChg>
+        <pc:spChg chg="add del">
+          <ac:chgData name="sp1d3r" userId="9b11284f-2ff1-4f11-8d2e-728779c653c6" providerId="ADAL" clId="{ECE46D58-B7B5-4482-9F65-EDAD18A6F4F8}" dt="2021-08-19T23:51:46.553" v="17" actId="26606"/>
+          <ac:spMkLst>
+            <pc:docMk/>
+            <pc:sldMk cId="696851034" sldId="258"/>
+            <ac:spMk id="71" creationId="{987A0FBA-CC04-4256-A8EB-BB3C543E989C}"/>
+          </ac:spMkLst>
+        </pc:spChg>
+        <pc:spChg chg="add del">
+          <ac:chgData name="sp1d3r" userId="9b11284f-2ff1-4f11-8d2e-728779c653c6" providerId="ADAL" clId="{ECE46D58-B7B5-4482-9F65-EDAD18A6F4F8}" dt="2021-08-19T23:51:46.553" v="17" actId="26606"/>
+          <ac:spMkLst>
+            <pc:docMk/>
+            <pc:sldMk cId="696851034" sldId="258"/>
+            <ac:spMk id="73" creationId="{3D065C6D-EB42-400B-99C4-D0ACE936F6C3}"/>
+          </ac:spMkLst>
+        </pc:spChg>
+        <pc:spChg chg="add del">
+          <ac:chgData name="sp1d3r" userId="9b11284f-2ff1-4f11-8d2e-728779c653c6" providerId="ADAL" clId="{ECE46D58-B7B5-4482-9F65-EDAD18A6F4F8}" dt="2021-08-19T23:51:46.553" v="17" actId="26606"/>
+          <ac:spMkLst>
+            <pc:docMk/>
+            <pc:sldMk cId="696851034" sldId="258"/>
+            <ac:spMk id="75" creationId="{3362A0EA-3E81-4464-94B8-70BE5870EDC0}"/>
+          </ac:spMkLst>
+        </pc:spChg>
+        <pc:spChg chg="add">
+          <ac:chgData name="sp1d3r" userId="9b11284f-2ff1-4f11-8d2e-728779c653c6" providerId="ADAL" clId="{ECE46D58-B7B5-4482-9F65-EDAD18A6F4F8}" dt="2021-08-19T23:51:46.553" v="17" actId="26606"/>
+          <ac:spMkLst>
+            <pc:docMk/>
+            <pc:sldMk cId="696851034" sldId="258"/>
+            <ac:spMk id="135" creationId="{987A0FBA-CC04-4256-A8EB-BB3C543E989C}"/>
+          </ac:spMkLst>
+        </pc:spChg>
+        <pc:spChg chg="add">
+          <ac:chgData name="sp1d3r" userId="9b11284f-2ff1-4f11-8d2e-728779c653c6" providerId="ADAL" clId="{ECE46D58-B7B5-4482-9F65-EDAD18A6F4F8}" dt="2021-08-19T23:51:46.553" v="17" actId="26606"/>
+          <ac:spMkLst>
+            <pc:docMk/>
+            <pc:sldMk cId="696851034" sldId="258"/>
+            <ac:spMk id="137" creationId="{C75CD783-E708-4711-B23C-5B7B72A3D8F0}"/>
+          </ac:spMkLst>
+        </pc:spChg>
+        <pc:spChg chg="add">
+          <ac:chgData name="sp1d3r" userId="9b11284f-2ff1-4f11-8d2e-728779c653c6" providerId="ADAL" clId="{ECE46D58-B7B5-4482-9F65-EDAD18A6F4F8}" dt="2021-08-19T23:51:46.553" v="17" actId="26606"/>
+          <ac:spMkLst>
+            <pc:docMk/>
+            <pc:sldMk cId="696851034" sldId="258"/>
+            <ac:spMk id="139" creationId="{E633B38B-B87A-4288-A20F-0223A6C27A5A}"/>
+          </ac:spMkLst>
+        </pc:spChg>
+        <pc:picChg chg="add mod ord">
+          <ac:chgData name="sp1d3r" userId="9b11284f-2ff1-4f11-8d2e-728779c653c6" providerId="ADAL" clId="{ECE46D58-B7B5-4482-9F65-EDAD18A6F4F8}" dt="2021-08-19T23:51:46.553" v="17" actId="26606"/>
+          <ac:picMkLst>
+            <pc:docMk/>
+            <pc:sldMk cId="696851034" sldId="258"/>
+            <ac:picMk id="1026" creationId="{95D14437-E6DD-4F50-9E2D-ED31AB14E9B8}"/>
+          </ac:picMkLst>
+        </pc:picChg>
+      </pc:sldChg>
+      <pc:sldChg chg="modSp mod">
+        <pc:chgData name="sp1d3r" userId="9b11284f-2ff1-4f11-8d2e-728779c653c6" providerId="ADAL" clId="{ECE46D58-B7B5-4482-9F65-EDAD18A6F4F8}" dt="2021-08-19T23:50:15.520" v="12" actId="20577"/>
+        <pc:sldMkLst>
+          <pc:docMk/>
+          <pc:sldMk cId="996535068" sldId="259"/>
+        </pc:sldMkLst>
+        <pc:spChg chg="mod">
+          <ac:chgData name="sp1d3r" userId="9b11284f-2ff1-4f11-8d2e-728779c653c6" providerId="ADAL" clId="{ECE46D58-B7B5-4482-9F65-EDAD18A6F4F8}" dt="2021-08-19T23:50:15.520" v="12" actId="20577"/>
+          <ac:spMkLst>
+            <pc:docMk/>
+            <pc:sldMk cId="996535068" sldId="259"/>
+            <ac:spMk id="3" creationId="{6F9D09E4-290C-43D7-A9ED-4AFF26DDC2E4}"/>
+          </ac:spMkLst>
+        </pc:spChg>
+      </pc:sldChg>
+      <pc:sldChg chg="modSp mod">
+        <pc:chgData name="sp1d3r" userId="9b11284f-2ff1-4f11-8d2e-728779c653c6" providerId="ADAL" clId="{ECE46D58-B7B5-4482-9F65-EDAD18A6F4F8}" dt="2021-08-20T01:27:34.526" v="19" actId="20577"/>
+        <pc:sldMkLst>
+          <pc:docMk/>
+          <pc:sldMk cId="670215087" sldId="261"/>
+        </pc:sldMkLst>
+        <pc:spChg chg="mod">
+          <ac:chgData name="sp1d3r" userId="9b11284f-2ff1-4f11-8d2e-728779c653c6" providerId="ADAL" clId="{ECE46D58-B7B5-4482-9F65-EDAD18A6F4F8}" dt="2021-08-20T01:27:34.526" v="19" actId="20577"/>
+          <ac:spMkLst>
+            <pc:docMk/>
+            <pc:sldMk cId="670215087" sldId="261"/>
+            <ac:spMk id="3" creationId="{7F40232D-C59D-4882-BAD5-C707F62CDC88}"/>
+          </ac:spMkLst>
+        </pc:spChg>
+      </pc:sldChg>
+      <pc:sldChg chg="modSp mod">
+        <pc:chgData name="sp1d3r" userId="9b11284f-2ff1-4f11-8d2e-728779c653c6" providerId="ADAL" clId="{ECE46D58-B7B5-4482-9F65-EDAD18A6F4F8}" dt="2021-08-20T01:40:45.653" v="37" actId="20577"/>
+        <pc:sldMkLst>
+          <pc:docMk/>
+          <pc:sldMk cId="3154587183" sldId="268"/>
+        </pc:sldMkLst>
+        <pc:spChg chg="mod">
+          <ac:chgData name="sp1d3r" userId="9b11284f-2ff1-4f11-8d2e-728779c653c6" providerId="ADAL" clId="{ECE46D58-B7B5-4482-9F65-EDAD18A6F4F8}" dt="2021-08-20T01:40:45.653" v="37" actId="20577"/>
+          <ac:spMkLst>
+            <pc:docMk/>
+            <pc:sldMk cId="3154587183" sldId="268"/>
+            <ac:spMk id="3" creationId="{700FC059-FE62-4951-89BC-A0B90322AE6A}"/>
+          </ac:spMkLst>
+        </pc:spChg>
+      </pc:sldChg>
+      <pc:sldChg chg="modSp mod">
+        <pc:chgData name="sp1d3r" userId="9b11284f-2ff1-4f11-8d2e-728779c653c6" providerId="ADAL" clId="{ECE46D58-B7B5-4482-9F65-EDAD18A6F4F8}" dt="2021-08-20T01:53:42.803" v="61" actId="20577"/>
+        <pc:sldMkLst>
+          <pc:docMk/>
+          <pc:sldMk cId="2498611180" sldId="269"/>
+        </pc:sldMkLst>
+        <pc:spChg chg="mod">
+          <ac:chgData name="sp1d3r" userId="9b11284f-2ff1-4f11-8d2e-728779c653c6" providerId="ADAL" clId="{ECE46D58-B7B5-4482-9F65-EDAD18A6F4F8}" dt="2021-08-20T01:53:42.803" v="61" actId="20577"/>
+          <ac:spMkLst>
+            <pc:docMk/>
+            <pc:sldMk cId="2498611180" sldId="269"/>
+            <ac:spMk id="3" creationId="{B5CA132A-5A4C-4638-A61A-3FC65F0C86BD}"/>
+          </ac:spMkLst>
+        </pc:spChg>
+      </pc:sldChg>
+    </pc:docChg>
+  </pc:docChgLst>
   <pc:docChgLst>
     <pc:chgData name="sarya317@gmail.com" userId="S::urn:spo:guest#sarya317@gmail.com::" providerId="AD" clId="Web-{26AE9585-BCC9-4F42-B4EA-54D67C9D7F68}"/>
     <pc:docChg chg="modSld">
@@ -229,955 +1326,6 @@
           </ac:picMkLst>
         </pc:picChg>
       </pc:sldChg>
-    </pc:docChg>
-  </pc:docChgLst>
-  <pc:docChgLst>
-    <pc:chgData name="Harsh Modi" userId="9b11284f-2ff1-4f11-8d2e-728779c653c6" providerId="ADAL" clId="{ECE46D58-B7B5-4482-9F65-EDAD18A6F4F8}"/>
-    <pc:docChg chg="undo custSel addSld modSld sldOrd addMainMaster delMainMaster">
-      <pc:chgData name="Harsh Modi" userId="9b11284f-2ff1-4f11-8d2e-728779c653c6" providerId="ADAL" clId="{ECE46D58-B7B5-4482-9F65-EDAD18A6F4F8}" dt="2021-08-19T04:53:06.994" v="2523" actId="20577"/>
-      <pc:docMkLst>
-        <pc:docMk/>
-      </pc:docMkLst>
-      <pc:sldChg chg="addSp delSp modSp mod setBg modClrScheme addAnim delAnim chgLayout">
-        <pc:chgData name="Harsh Modi" userId="9b11284f-2ff1-4f11-8d2e-728779c653c6" providerId="ADAL" clId="{ECE46D58-B7B5-4482-9F65-EDAD18A6F4F8}" dt="2021-08-17T23:45:40.158" v="10"/>
-        <pc:sldMkLst>
-          <pc:docMk/>
-          <pc:sldMk cId="1909974127" sldId="256"/>
-        </pc:sldMkLst>
-        <pc:spChg chg="mod">
-          <ac:chgData name="Harsh Modi" userId="9b11284f-2ff1-4f11-8d2e-728779c653c6" providerId="ADAL" clId="{ECE46D58-B7B5-4482-9F65-EDAD18A6F4F8}" dt="2021-08-17T23:45:40.157" v="8" actId="26606"/>
-          <ac:spMkLst>
-            <pc:docMk/>
-            <pc:sldMk cId="1909974127" sldId="256"/>
-            <ac:spMk id="2" creationId="{8C5C355E-5337-4C86-962A-FCF58563A004}"/>
-          </ac:spMkLst>
-        </pc:spChg>
-        <pc:spChg chg="mod">
-          <ac:chgData name="Harsh Modi" userId="9b11284f-2ff1-4f11-8d2e-728779c653c6" providerId="ADAL" clId="{ECE46D58-B7B5-4482-9F65-EDAD18A6F4F8}" dt="2021-08-17T23:45:40.157" v="8" actId="26606"/>
-          <ac:spMkLst>
-            <pc:docMk/>
-            <pc:sldMk cId="1909974127" sldId="256"/>
-            <ac:spMk id="3" creationId="{9E42AEF1-4007-496F-BA4A-08CC0CCCB26C}"/>
-          </ac:spMkLst>
-        </pc:spChg>
-        <pc:spChg chg="add del">
-          <ac:chgData name="Harsh Modi" userId="9b11284f-2ff1-4f11-8d2e-728779c653c6" providerId="ADAL" clId="{ECE46D58-B7B5-4482-9F65-EDAD18A6F4F8}" dt="2021-08-17T23:45:34.509" v="5" actId="26606"/>
-          <ac:spMkLst>
-            <pc:docMk/>
-            <pc:sldMk cId="1909974127" sldId="256"/>
-            <ac:spMk id="5" creationId="{7A18C9FB-EC4C-4DAE-8F7D-C6E5AF607958}"/>
-          </ac:spMkLst>
-        </pc:spChg>
-        <pc:spChg chg="add del">
-          <ac:chgData name="Harsh Modi" userId="9b11284f-2ff1-4f11-8d2e-728779c653c6" providerId="ADAL" clId="{ECE46D58-B7B5-4482-9F65-EDAD18A6F4F8}" dt="2021-08-17T23:45:34.509" v="5" actId="26606"/>
-          <ac:spMkLst>
-            <pc:docMk/>
-            <pc:sldMk cId="1909974127" sldId="256"/>
-            <ac:spMk id="7" creationId="{B47A9921-6509-49C2-BEBF-924F28066091}"/>
-          </ac:spMkLst>
-        </pc:spChg>
-        <pc:spChg chg="del">
-          <ac:chgData name="Harsh Modi" userId="9b11284f-2ff1-4f11-8d2e-728779c653c6" providerId="ADAL" clId="{ECE46D58-B7B5-4482-9F65-EDAD18A6F4F8}" dt="2021-08-17T23:44:18.666" v="1" actId="26606"/>
-          <ac:spMkLst>
-            <pc:docMk/>
-            <pc:sldMk cId="1909974127" sldId="256"/>
-            <ac:spMk id="9" creationId="{37FDDF72-DE39-4F99-A3C1-DD9D7815D7DB}"/>
-          </ac:spMkLst>
-        </pc:spChg>
-        <pc:spChg chg="add del">
-          <ac:chgData name="Harsh Modi" userId="9b11284f-2ff1-4f11-8d2e-728779c653c6" providerId="ADAL" clId="{ECE46D58-B7B5-4482-9F65-EDAD18A6F4F8}" dt="2021-08-17T23:45:40.102" v="7" actId="26606"/>
-          <ac:spMkLst>
-            <pc:docMk/>
-            <pc:sldMk cId="1909974127" sldId="256"/>
-            <ac:spMk id="10" creationId="{24EF3E42-675E-4E84-AA5A-E233060C0D3C}"/>
-          </ac:spMkLst>
-        </pc:spChg>
-        <pc:spChg chg="del">
-          <ac:chgData name="Harsh Modi" userId="9b11284f-2ff1-4f11-8d2e-728779c653c6" providerId="ADAL" clId="{ECE46D58-B7B5-4482-9F65-EDAD18A6F4F8}" dt="2021-08-17T23:44:18.666" v="1" actId="26606"/>
-          <ac:spMkLst>
-            <pc:docMk/>
-            <pc:sldMk cId="1909974127" sldId="256"/>
-            <ac:spMk id="11" creationId="{5E4ECE80-3AD1-450C-B62A-98788F193948}"/>
-          </ac:spMkLst>
-        </pc:spChg>
-        <pc:spChg chg="add del">
-          <ac:chgData name="Harsh Modi" userId="9b11284f-2ff1-4f11-8d2e-728779c653c6" providerId="ADAL" clId="{ECE46D58-B7B5-4482-9F65-EDAD18A6F4F8}" dt="2021-08-17T23:45:40.102" v="7" actId="26606"/>
-          <ac:spMkLst>
-            <pc:docMk/>
-            <pc:sldMk cId="1909974127" sldId="256"/>
-            <ac:spMk id="12" creationId="{0F3B65B4-B443-446A-9981-E6E89B0B75C1}"/>
-          </ac:spMkLst>
-        </pc:spChg>
-        <pc:spChg chg="add del">
-          <ac:chgData name="Harsh Modi" userId="9b11284f-2ff1-4f11-8d2e-728779c653c6" providerId="ADAL" clId="{ECE46D58-B7B5-4482-9F65-EDAD18A6F4F8}" dt="2021-08-17T23:45:40.102" v="7" actId="26606"/>
-          <ac:spMkLst>
-            <pc:docMk/>
-            <pc:sldMk cId="1909974127" sldId="256"/>
-            <ac:spMk id="16" creationId="{A382C86F-FA5A-4A2F-86CC-0E1A2FB39EB9}"/>
-          </ac:spMkLst>
-        </pc:spChg>
-        <pc:spChg chg="add">
-          <ac:chgData name="Harsh Modi" userId="9b11284f-2ff1-4f11-8d2e-728779c653c6" providerId="ADAL" clId="{ECE46D58-B7B5-4482-9F65-EDAD18A6F4F8}" dt="2021-08-17T23:45:40.157" v="8" actId="26606"/>
-          <ac:spMkLst>
-            <pc:docMk/>
-            <pc:sldMk cId="1909974127" sldId="256"/>
-            <ac:spMk id="19" creationId="{7A18C9FB-EC4C-4DAE-8F7D-C6E5AF607958}"/>
-          </ac:spMkLst>
-        </pc:spChg>
-        <pc:spChg chg="add">
-          <ac:chgData name="Harsh Modi" userId="9b11284f-2ff1-4f11-8d2e-728779c653c6" providerId="ADAL" clId="{ECE46D58-B7B5-4482-9F65-EDAD18A6F4F8}" dt="2021-08-17T23:45:40.157" v="8" actId="26606"/>
-          <ac:spMkLst>
-            <pc:docMk/>
-            <pc:sldMk cId="1909974127" sldId="256"/>
-            <ac:spMk id="21" creationId="{B47A9921-6509-49C2-BEBF-924F28066091}"/>
-          </ac:spMkLst>
-        </pc:spChg>
-        <pc:grpChg chg="del">
-          <ac:chgData name="Harsh Modi" userId="9b11284f-2ff1-4f11-8d2e-728779c653c6" providerId="ADAL" clId="{ECE46D58-B7B5-4482-9F65-EDAD18A6F4F8}" dt="2021-08-17T23:44:18.666" v="1" actId="26606"/>
-          <ac:grpSpMkLst>
-            <pc:docMk/>
-            <pc:sldMk cId="1909974127" sldId="256"/>
-            <ac:grpSpMk id="13" creationId="{B9632603-447F-4389-863D-9820DB9915A2}"/>
-          </ac:grpSpMkLst>
-        </pc:grpChg>
-        <pc:picChg chg="del mod">
-          <ac:chgData name="Harsh Modi" userId="9b11284f-2ff1-4f11-8d2e-728779c653c6" providerId="ADAL" clId="{ECE46D58-B7B5-4482-9F65-EDAD18A6F4F8}" dt="2021-08-17T23:44:18.666" v="1" actId="26606"/>
-          <ac:picMkLst>
-            <pc:docMk/>
-            <pc:sldMk cId="1909974127" sldId="256"/>
-            <ac:picMk id="4" creationId="{26A8E544-A6B9-46B3-B25B-1CBCEF9ACC64}"/>
-          </ac:picMkLst>
-        </pc:picChg>
-        <pc:picChg chg="add del">
-          <ac:chgData name="Harsh Modi" userId="9b11284f-2ff1-4f11-8d2e-728779c653c6" providerId="ADAL" clId="{ECE46D58-B7B5-4482-9F65-EDAD18A6F4F8}" dt="2021-08-17T23:45:34.509" v="5" actId="26606"/>
-          <ac:picMkLst>
-            <pc:docMk/>
-            <pc:sldMk cId="1909974127" sldId="256"/>
-            <ac:picMk id="6" creationId="{F734739A-D892-493C-9C83-7FA40D86D6F2}"/>
-          </ac:picMkLst>
-        </pc:picChg>
-        <pc:picChg chg="add del">
-          <ac:chgData name="Harsh Modi" userId="9b11284f-2ff1-4f11-8d2e-728779c653c6" providerId="ADAL" clId="{ECE46D58-B7B5-4482-9F65-EDAD18A6F4F8}" dt="2021-08-17T23:45:40.102" v="7" actId="26606"/>
-          <ac:picMkLst>
-            <pc:docMk/>
-            <pc:sldMk cId="1909974127" sldId="256"/>
-            <ac:picMk id="14" creationId="{F977AE0C-0142-448A-ACDC-66F383419B9D}"/>
-          </ac:picMkLst>
-        </pc:picChg>
-        <pc:picChg chg="add">
-          <ac:chgData name="Harsh Modi" userId="9b11284f-2ff1-4f11-8d2e-728779c653c6" providerId="ADAL" clId="{ECE46D58-B7B5-4482-9F65-EDAD18A6F4F8}" dt="2021-08-17T23:45:40.157" v="8" actId="26606"/>
-          <ac:picMkLst>
-            <pc:docMk/>
-            <pc:sldMk cId="1909974127" sldId="256"/>
-            <ac:picMk id="20" creationId="{F734739A-D892-493C-9C83-7FA40D86D6F2}"/>
-          </ac:picMkLst>
-        </pc:picChg>
-        <pc:cxnChg chg="add del">
-          <ac:chgData name="Harsh Modi" userId="9b11284f-2ff1-4f11-8d2e-728779c653c6" providerId="ADAL" clId="{ECE46D58-B7B5-4482-9F65-EDAD18A6F4F8}" dt="2021-08-17T23:45:40.102" v="7" actId="26606"/>
-          <ac:cxnSpMkLst>
-            <pc:docMk/>
-            <pc:sldMk cId="1909974127" sldId="256"/>
-            <ac:cxnSpMk id="15" creationId="{FD6C387B-06BE-490B-A22D-8EA8A67AA87E}"/>
-          </ac:cxnSpMkLst>
-        </pc:cxnChg>
-        <pc:cxnChg chg="add del">
-          <ac:chgData name="Harsh Modi" userId="9b11284f-2ff1-4f11-8d2e-728779c653c6" providerId="ADAL" clId="{ECE46D58-B7B5-4482-9F65-EDAD18A6F4F8}" dt="2021-08-17T23:45:40.102" v="7" actId="26606"/>
-          <ac:cxnSpMkLst>
-            <pc:docMk/>
-            <pc:sldMk cId="1909974127" sldId="256"/>
-            <ac:cxnSpMk id="17" creationId="{94DCE841-D2A0-408E-8F2F-990D0105E2FE}"/>
-          </ac:cxnSpMkLst>
-        </pc:cxnChg>
-      </pc:sldChg>
-      <pc:sldChg chg="modSp new mod">
-        <pc:chgData name="Harsh Modi" userId="9b11284f-2ff1-4f11-8d2e-728779c653c6" providerId="ADAL" clId="{ECE46D58-B7B5-4482-9F65-EDAD18A6F4F8}" dt="2021-08-19T04:53:06.994" v="2523" actId="20577"/>
-        <pc:sldMkLst>
-          <pc:docMk/>
-          <pc:sldMk cId="2871643485" sldId="257"/>
-        </pc:sldMkLst>
-        <pc:spChg chg="mod">
-          <ac:chgData name="Harsh Modi" userId="9b11284f-2ff1-4f11-8d2e-728779c653c6" providerId="ADAL" clId="{ECE46D58-B7B5-4482-9F65-EDAD18A6F4F8}" dt="2021-08-17T23:45:58.843" v="17" actId="20577"/>
-          <ac:spMkLst>
-            <pc:docMk/>
-            <pc:sldMk cId="2871643485" sldId="257"/>
-            <ac:spMk id="2" creationId="{7D731EAC-458E-4F80-8D37-AC03AC1E4630}"/>
-          </ac:spMkLst>
-        </pc:spChg>
-        <pc:spChg chg="mod">
-          <ac:chgData name="Harsh Modi" userId="9b11284f-2ff1-4f11-8d2e-728779c653c6" providerId="ADAL" clId="{ECE46D58-B7B5-4482-9F65-EDAD18A6F4F8}" dt="2021-08-19T04:53:06.994" v="2523" actId="20577"/>
-          <ac:spMkLst>
-            <pc:docMk/>
-            <pc:sldMk cId="2871643485" sldId="257"/>
-            <ac:spMk id="3" creationId="{642B5F7B-3AE2-4A44-B11A-EA23AA36743C}"/>
-          </ac:spMkLst>
-        </pc:spChg>
-      </pc:sldChg>
-      <pc:sldChg chg="modSp new mod">
-        <pc:chgData name="Harsh Modi" userId="9b11284f-2ff1-4f11-8d2e-728779c653c6" providerId="ADAL" clId="{ECE46D58-B7B5-4482-9F65-EDAD18A6F4F8}" dt="2021-08-18T06:23:00.044" v="163" actId="113"/>
-        <pc:sldMkLst>
-          <pc:docMk/>
-          <pc:sldMk cId="696851034" sldId="258"/>
-        </pc:sldMkLst>
-        <pc:spChg chg="mod">
-          <ac:chgData name="Harsh Modi" userId="9b11284f-2ff1-4f11-8d2e-728779c653c6" providerId="ADAL" clId="{ECE46D58-B7B5-4482-9F65-EDAD18A6F4F8}" dt="2021-08-18T00:24:42.908" v="52" actId="20577"/>
-          <ac:spMkLst>
-            <pc:docMk/>
-            <pc:sldMk cId="696851034" sldId="258"/>
-            <ac:spMk id="2" creationId="{FC1A85AB-8D9A-40E8-8D8A-5D28F7E570B7}"/>
-          </ac:spMkLst>
-        </pc:spChg>
-        <pc:spChg chg="mod">
-          <ac:chgData name="Harsh Modi" userId="9b11284f-2ff1-4f11-8d2e-728779c653c6" providerId="ADAL" clId="{ECE46D58-B7B5-4482-9F65-EDAD18A6F4F8}" dt="2021-08-18T06:23:00.044" v="163" actId="113"/>
-          <ac:spMkLst>
-            <pc:docMk/>
-            <pc:sldMk cId="696851034" sldId="258"/>
-            <ac:spMk id="3" creationId="{8B13700E-F0DA-40B4-AC69-698F36ACE440}"/>
-          </ac:spMkLst>
-        </pc:spChg>
-      </pc:sldChg>
-      <pc:sldChg chg="modSp new mod ord">
-        <pc:chgData name="Harsh Modi" userId="9b11284f-2ff1-4f11-8d2e-728779c653c6" providerId="ADAL" clId="{ECE46D58-B7B5-4482-9F65-EDAD18A6F4F8}" dt="2021-08-18T08:25:54.697" v="1777" actId="20577"/>
-        <pc:sldMkLst>
-          <pc:docMk/>
-          <pc:sldMk cId="996535068" sldId="259"/>
-        </pc:sldMkLst>
-        <pc:spChg chg="mod">
-          <ac:chgData name="Harsh Modi" userId="9b11284f-2ff1-4f11-8d2e-728779c653c6" providerId="ADAL" clId="{ECE46D58-B7B5-4482-9F65-EDAD18A6F4F8}" dt="2021-08-18T06:22:30.843" v="159" actId="20577"/>
-          <ac:spMkLst>
-            <pc:docMk/>
-            <pc:sldMk cId="996535068" sldId="259"/>
-            <ac:spMk id="2" creationId="{6156D1B3-8520-4056-98D5-9518BD9E25DF}"/>
-          </ac:spMkLst>
-        </pc:spChg>
-        <pc:spChg chg="mod">
-          <ac:chgData name="Harsh Modi" userId="9b11284f-2ff1-4f11-8d2e-728779c653c6" providerId="ADAL" clId="{ECE46D58-B7B5-4482-9F65-EDAD18A6F4F8}" dt="2021-08-18T08:25:54.697" v="1777" actId="20577"/>
-          <ac:spMkLst>
-            <pc:docMk/>
-            <pc:sldMk cId="996535068" sldId="259"/>
-            <ac:spMk id="3" creationId="{6F9D09E4-290C-43D7-A9ED-4AFF26DDC2E4}"/>
-          </ac:spMkLst>
-        </pc:spChg>
-      </pc:sldChg>
-      <pc:sldChg chg="modSp new mod">
-        <pc:chgData name="Harsh Modi" userId="9b11284f-2ff1-4f11-8d2e-728779c653c6" providerId="ADAL" clId="{ECE46D58-B7B5-4482-9F65-EDAD18A6F4F8}" dt="2021-08-18T06:28:15.357" v="250" actId="20577"/>
-        <pc:sldMkLst>
-          <pc:docMk/>
-          <pc:sldMk cId="4116406919" sldId="260"/>
-        </pc:sldMkLst>
-        <pc:spChg chg="mod">
-          <ac:chgData name="Harsh Modi" userId="9b11284f-2ff1-4f11-8d2e-728779c653c6" providerId="ADAL" clId="{ECE46D58-B7B5-4482-9F65-EDAD18A6F4F8}" dt="2021-08-18T06:27:30.833" v="191" actId="20577"/>
-          <ac:spMkLst>
-            <pc:docMk/>
-            <pc:sldMk cId="4116406919" sldId="260"/>
-            <ac:spMk id="2" creationId="{B38D276A-53F2-4F16-8C17-07DD8BCEC71F}"/>
-          </ac:spMkLst>
-        </pc:spChg>
-        <pc:spChg chg="mod">
-          <ac:chgData name="Harsh Modi" userId="9b11284f-2ff1-4f11-8d2e-728779c653c6" providerId="ADAL" clId="{ECE46D58-B7B5-4482-9F65-EDAD18A6F4F8}" dt="2021-08-18T06:28:15.357" v="250" actId="20577"/>
-          <ac:spMkLst>
-            <pc:docMk/>
-            <pc:sldMk cId="4116406919" sldId="260"/>
-            <ac:spMk id="3" creationId="{1554EDDE-738D-460F-A054-8C7E2D1A2E55}"/>
-          </ac:spMkLst>
-        </pc:spChg>
-      </pc:sldChg>
-      <pc:sldChg chg="modSp new mod">
-        <pc:chgData name="Harsh Modi" userId="9b11284f-2ff1-4f11-8d2e-728779c653c6" providerId="ADAL" clId="{ECE46D58-B7B5-4482-9F65-EDAD18A6F4F8}" dt="2021-08-18T06:29:57.913" v="419" actId="20577"/>
-        <pc:sldMkLst>
-          <pc:docMk/>
-          <pc:sldMk cId="670215087" sldId="261"/>
-        </pc:sldMkLst>
-        <pc:spChg chg="mod">
-          <ac:chgData name="Harsh Modi" userId="9b11284f-2ff1-4f11-8d2e-728779c653c6" providerId="ADAL" clId="{ECE46D58-B7B5-4482-9F65-EDAD18A6F4F8}" dt="2021-08-18T06:28:40.595" v="298" actId="20577"/>
-          <ac:spMkLst>
-            <pc:docMk/>
-            <pc:sldMk cId="670215087" sldId="261"/>
-            <ac:spMk id="2" creationId="{2171F160-DC81-4C77-B0B5-B387B4E4E4C7}"/>
-          </ac:spMkLst>
-        </pc:spChg>
-        <pc:spChg chg="mod">
-          <ac:chgData name="Harsh Modi" userId="9b11284f-2ff1-4f11-8d2e-728779c653c6" providerId="ADAL" clId="{ECE46D58-B7B5-4482-9F65-EDAD18A6F4F8}" dt="2021-08-18T06:29:57.913" v="419" actId="20577"/>
-          <ac:spMkLst>
-            <pc:docMk/>
-            <pc:sldMk cId="670215087" sldId="261"/>
-            <ac:spMk id="3" creationId="{7F40232D-C59D-4882-BAD5-C707F62CDC88}"/>
-          </ac:spMkLst>
-        </pc:spChg>
-      </pc:sldChg>
-      <pc:sldChg chg="modSp new mod">
-        <pc:chgData name="Harsh Modi" userId="9b11284f-2ff1-4f11-8d2e-728779c653c6" providerId="ADAL" clId="{ECE46D58-B7B5-4482-9F65-EDAD18A6F4F8}" dt="2021-08-18T06:45:34.467" v="897" actId="20577"/>
-        <pc:sldMkLst>
-          <pc:docMk/>
-          <pc:sldMk cId="1180352724" sldId="262"/>
-        </pc:sldMkLst>
-        <pc:spChg chg="mod">
-          <ac:chgData name="Harsh Modi" userId="9b11284f-2ff1-4f11-8d2e-728779c653c6" providerId="ADAL" clId="{ECE46D58-B7B5-4482-9F65-EDAD18A6F4F8}" dt="2021-08-18T06:32:04.517" v="451" actId="20577"/>
-          <ac:spMkLst>
-            <pc:docMk/>
-            <pc:sldMk cId="1180352724" sldId="262"/>
-            <ac:spMk id="2" creationId="{09BAAA82-BB69-4D0A-8E72-C441AF7D664D}"/>
-          </ac:spMkLst>
-        </pc:spChg>
-        <pc:spChg chg="mod">
-          <ac:chgData name="Harsh Modi" userId="9b11284f-2ff1-4f11-8d2e-728779c653c6" providerId="ADAL" clId="{ECE46D58-B7B5-4482-9F65-EDAD18A6F4F8}" dt="2021-08-18T06:45:34.467" v="897" actId="20577"/>
-          <ac:spMkLst>
-            <pc:docMk/>
-            <pc:sldMk cId="1180352724" sldId="262"/>
-            <ac:spMk id="3" creationId="{350F0F3B-9557-4E51-95A3-EDAAD34F5792}"/>
-          </ac:spMkLst>
-        </pc:spChg>
-      </pc:sldChg>
-      <pc:sldChg chg="modSp new mod">
-        <pc:chgData name="Harsh Modi" userId="9b11284f-2ff1-4f11-8d2e-728779c653c6" providerId="ADAL" clId="{ECE46D58-B7B5-4482-9F65-EDAD18A6F4F8}" dt="2021-08-18T06:47:24.447" v="987" actId="20577"/>
-        <pc:sldMkLst>
-          <pc:docMk/>
-          <pc:sldMk cId="657870839" sldId="263"/>
-        </pc:sldMkLst>
-        <pc:spChg chg="mod">
-          <ac:chgData name="Harsh Modi" userId="9b11284f-2ff1-4f11-8d2e-728779c653c6" providerId="ADAL" clId="{ECE46D58-B7B5-4482-9F65-EDAD18A6F4F8}" dt="2021-08-18T06:36:21.958" v="625" actId="20577"/>
-          <ac:spMkLst>
-            <pc:docMk/>
-            <pc:sldMk cId="657870839" sldId="263"/>
-            <ac:spMk id="2" creationId="{5FE54B05-E366-4E01-9F4E-238427891885}"/>
-          </ac:spMkLst>
-        </pc:spChg>
-        <pc:spChg chg="mod">
-          <ac:chgData name="Harsh Modi" userId="9b11284f-2ff1-4f11-8d2e-728779c653c6" providerId="ADAL" clId="{ECE46D58-B7B5-4482-9F65-EDAD18A6F4F8}" dt="2021-08-18T06:47:24.447" v="987" actId="20577"/>
-          <ac:spMkLst>
-            <pc:docMk/>
-            <pc:sldMk cId="657870839" sldId="263"/>
-            <ac:spMk id="3" creationId="{8B4BDFD0-DB33-441C-8676-52271D4BBB7E}"/>
-          </ac:spMkLst>
-        </pc:spChg>
-      </pc:sldChg>
-      <pc:sldChg chg="modSp new mod">
-        <pc:chgData name="Harsh Modi" userId="9b11284f-2ff1-4f11-8d2e-728779c653c6" providerId="ADAL" clId="{ECE46D58-B7B5-4482-9F65-EDAD18A6F4F8}" dt="2021-08-18T08:45:22.493" v="1944" actId="20577"/>
-        <pc:sldMkLst>
-          <pc:docMk/>
-          <pc:sldMk cId="1597610408" sldId="264"/>
-        </pc:sldMkLst>
-        <pc:spChg chg="mod">
-          <ac:chgData name="Harsh Modi" userId="9b11284f-2ff1-4f11-8d2e-728779c653c6" providerId="ADAL" clId="{ECE46D58-B7B5-4482-9F65-EDAD18A6F4F8}" dt="2021-08-18T06:48:23.348" v="1025" actId="20577"/>
-          <ac:spMkLst>
-            <pc:docMk/>
-            <pc:sldMk cId="1597610408" sldId="264"/>
-            <ac:spMk id="2" creationId="{C75EFABA-0735-4F06-8201-8E1C763447B2}"/>
-          </ac:spMkLst>
-        </pc:spChg>
-        <pc:spChg chg="mod">
-          <ac:chgData name="Harsh Modi" userId="9b11284f-2ff1-4f11-8d2e-728779c653c6" providerId="ADAL" clId="{ECE46D58-B7B5-4482-9F65-EDAD18A6F4F8}" dt="2021-08-18T08:45:22.493" v="1944" actId="20577"/>
-          <ac:spMkLst>
-            <pc:docMk/>
-            <pc:sldMk cId="1597610408" sldId="264"/>
-            <ac:spMk id="3" creationId="{B2B7E9BA-9A62-41FD-B354-6B6363577975}"/>
-          </ac:spMkLst>
-        </pc:spChg>
-      </pc:sldChg>
-      <pc:sldChg chg="modSp new mod">
-        <pc:chgData name="Harsh Modi" userId="9b11284f-2ff1-4f11-8d2e-728779c653c6" providerId="ADAL" clId="{ECE46D58-B7B5-4482-9F65-EDAD18A6F4F8}" dt="2021-08-18T08:47:57.684" v="2069" actId="20577"/>
-        <pc:sldMkLst>
-          <pc:docMk/>
-          <pc:sldMk cId="3625918693" sldId="265"/>
-        </pc:sldMkLst>
-        <pc:spChg chg="mod">
-          <ac:chgData name="Harsh Modi" userId="9b11284f-2ff1-4f11-8d2e-728779c653c6" providerId="ADAL" clId="{ECE46D58-B7B5-4482-9F65-EDAD18A6F4F8}" dt="2021-08-18T06:48:34.222" v="1046" actId="20577"/>
-          <ac:spMkLst>
-            <pc:docMk/>
-            <pc:sldMk cId="3625918693" sldId="265"/>
-            <ac:spMk id="2" creationId="{5F986C3A-7B12-4AC1-B0B7-AF219B1339C3}"/>
-          </ac:spMkLst>
-        </pc:spChg>
-        <pc:spChg chg="mod">
-          <ac:chgData name="Harsh Modi" userId="9b11284f-2ff1-4f11-8d2e-728779c653c6" providerId="ADAL" clId="{ECE46D58-B7B5-4482-9F65-EDAD18A6F4F8}" dt="2021-08-18T08:47:57.684" v="2069" actId="20577"/>
-          <ac:spMkLst>
-            <pc:docMk/>
-            <pc:sldMk cId="3625918693" sldId="265"/>
-            <ac:spMk id="3" creationId="{1AF4E516-A7F8-4AB4-A832-BF8CD09346F2}"/>
-          </ac:spMkLst>
-        </pc:spChg>
-      </pc:sldChg>
-      <pc:sldChg chg="modSp new mod">
-        <pc:chgData name="Harsh Modi" userId="9b11284f-2ff1-4f11-8d2e-728779c653c6" providerId="ADAL" clId="{ECE46D58-B7B5-4482-9F65-EDAD18A6F4F8}" dt="2021-08-18T08:49:49.414" v="2297" actId="20577"/>
-        <pc:sldMkLst>
-          <pc:docMk/>
-          <pc:sldMk cId="4156726668" sldId="266"/>
-        </pc:sldMkLst>
-        <pc:spChg chg="mod">
-          <ac:chgData name="Harsh Modi" userId="9b11284f-2ff1-4f11-8d2e-728779c653c6" providerId="ADAL" clId="{ECE46D58-B7B5-4482-9F65-EDAD18A6F4F8}" dt="2021-08-18T07:19:48.041" v="1220" actId="20577"/>
-          <ac:spMkLst>
-            <pc:docMk/>
-            <pc:sldMk cId="4156726668" sldId="266"/>
-            <ac:spMk id="2" creationId="{794BAB19-5F80-4DE6-8320-839316E3F717}"/>
-          </ac:spMkLst>
-        </pc:spChg>
-        <pc:spChg chg="mod">
-          <ac:chgData name="Harsh Modi" userId="9b11284f-2ff1-4f11-8d2e-728779c653c6" providerId="ADAL" clId="{ECE46D58-B7B5-4482-9F65-EDAD18A6F4F8}" dt="2021-08-18T08:49:49.414" v="2297" actId="20577"/>
-          <ac:spMkLst>
-            <pc:docMk/>
-            <pc:sldMk cId="4156726668" sldId="266"/>
-            <ac:spMk id="3" creationId="{C029933E-2C2B-44E6-A86F-395A9FC228FA}"/>
-          </ac:spMkLst>
-        </pc:spChg>
-      </pc:sldChg>
-      <pc:sldChg chg="modSp new mod">
-        <pc:chgData name="Harsh Modi" userId="9b11284f-2ff1-4f11-8d2e-728779c653c6" providerId="ADAL" clId="{ECE46D58-B7B5-4482-9F65-EDAD18A6F4F8}" dt="2021-08-18T08:48:39.499" v="2150" actId="20577"/>
-        <pc:sldMkLst>
-          <pc:docMk/>
-          <pc:sldMk cId="3781718352" sldId="267"/>
-        </pc:sldMkLst>
-        <pc:spChg chg="mod">
-          <ac:chgData name="Harsh Modi" userId="9b11284f-2ff1-4f11-8d2e-728779c653c6" providerId="ADAL" clId="{ECE46D58-B7B5-4482-9F65-EDAD18A6F4F8}" dt="2021-08-18T07:17:15.451" v="1078" actId="20577"/>
-          <ac:spMkLst>
-            <pc:docMk/>
-            <pc:sldMk cId="3781718352" sldId="267"/>
-            <ac:spMk id="2" creationId="{95219F7D-6CA7-4BA0-AB05-9406900622D1}"/>
-          </ac:spMkLst>
-        </pc:spChg>
-        <pc:spChg chg="mod">
-          <ac:chgData name="Harsh Modi" userId="9b11284f-2ff1-4f11-8d2e-728779c653c6" providerId="ADAL" clId="{ECE46D58-B7B5-4482-9F65-EDAD18A6F4F8}" dt="2021-08-18T08:48:39.499" v="2150" actId="20577"/>
-          <ac:spMkLst>
-            <pc:docMk/>
-            <pc:sldMk cId="3781718352" sldId="267"/>
-            <ac:spMk id="3" creationId="{0943D9AB-7D88-4265-99C9-2206B6746A5A}"/>
-          </ac:spMkLst>
-        </pc:spChg>
-      </pc:sldChg>
-      <pc:sldChg chg="modSp new mod">
-        <pc:chgData name="Harsh Modi" userId="9b11284f-2ff1-4f11-8d2e-728779c653c6" providerId="ADAL" clId="{ECE46D58-B7B5-4482-9F65-EDAD18A6F4F8}" dt="2021-08-18T07:43:24.047" v="1608" actId="20577"/>
-        <pc:sldMkLst>
-          <pc:docMk/>
-          <pc:sldMk cId="3154587183" sldId="268"/>
-        </pc:sldMkLst>
-        <pc:spChg chg="mod">
-          <ac:chgData name="Harsh Modi" userId="9b11284f-2ff1-4f11-8d2e-728779c653c6" providerId="ADAL" clId="{ECE46D58-B7B5-4482-9F65-EDAD18A6F4F8}" dt="2021-08-18T07:36:10.697" v="1343" actId="20577"/>
-          <ac:spMkLst>
-            <pc:docMk/>
-            <pc:sldMk cId="3154587183" sldId="268"/>
-            <ac:spMk id="2" creationId="{BAB0B08B-7363-4295-99C6-6ACCEEE36995}"/>
-          </ac:spMkLst>
-        </pc:spChg>
-        <pc:spChg chg="mod">
-          <ac:chgData name="Harsh Modi" userId="9b11284f-2ff1-4f11-8d2e-728779c653c6" providerId="ADAL" clId="{ECE46D58-B7B5-4482-9F65-EDAD18A6F4F8}" dt="2021-08-18T07:43:24.047" v="1608" actId="20577"/>
-          <ac:spMkLst>
-            <pc:docMk/>
-            <pc:sldMk cId="3154587183" sldId="268"/>
-            <ac:spMk id="3" creationId="{700FC059-FE62-4951-89BC-A0B90322AE6A}"/>
-          </ac:spMkLst>
-        </pc:spChg>
-      </pc:sldChg>
-      <pc:sldChg chg="modSp new mod">
-        <pc:chgData name="Harsh Modi" userId="9b11284f-2ff1-4f11-8d2e-728779c653c6" providerId="ADAL" clId="{ECE46D58-B7B5-4482-9F65-EDAD18A6F4F8}" dt="2021-08-18T08:24:09.057" v="1677" actId="20577"/>
-        <pc:sldMkLst>
-          <pc:docMk/>
-          <pc:sldMk cId="2498611180" sldId="269"/>
-        </pc:sldMkLst>
-        <pc:spChg chg="mod">
-          <ac:chgData name="Harsh Modi" userId="9b11284f-2ff1-4f11-8d2e-728779c653c6" providerId="ADAL" clId="{ECE46D58-B7B5-4482-9F65-EDAD18A6F4F8}" dt="2021-08-18T08:23:45.476" v="1631" actId="20577"/>
-          <ac:spMkLst>
-            <pc:docMk/>
-            <pc:sldMk cId="2498611180" sldId="269"/>
-            <ac:spMk id="2" creationId="{1C416187-75F8-4A42-8634-88BFBD522AED}"/>
-          </ac:spMkLst>
-        </pc:spChg>
-        <pc:spChg chg="mod">
-          <ac:chgData name="Harsh Modi" userId="9b11284f-2ff1-4f11-8d2e-728779c653c6" providerId="ADAL" clId="{ECE46D58-B7B5-4482-9F65-EDAD18A6F4F8}" dt="2021-08-18T08:24:09.057" v="1677" actId="20577"/>
-          <ac:spMkLst>
-            <pc:docMk/>
-            <pc:sldMk cId="2498611180" sldId="269"/>
-            <ac:spMk id="3" creationId="{B5CA132A-5A4C-4638-A61A-3FC65F0C86BD}"/>
-          </ac:spMkLst>
-        </pc:spChg>
-      </pc:sldChg>
-      <pc:sldChg chg="modSp new mod">
-        <pc:chgData name="Harsh Modi" userId="9b11284f-2ff1-4f11-8d2e-728779c653c6" providerId="ADAL" clId="{ECE46D58-B7B5-4482-9F65-EDAD18A6F4F8}" dt="2021-08-18T08:55:40.057" v="2335" actId="20577"/>
-        <pc:sldMkLst>
-          <pc:docMk/>
-          <pc:sldMk cId="2604529835" sldId="270"/>
-        </pc:sldMkLst>
-        <pc:spChg chg="mod">
-          <ac:chgData name="Harsh Modi" userId="9b11284f-2ff1-4f11-8d2e-728779c653c6" providerId="ADAL" clId="{ECE46D58-B7B5-4482-9F65-EDAD18A6F4F8}" dt="2021-08-18T08:55:27.374" v="2318" actId="20577"/>
-          <ac:spMkLst>
-            <pc:docMk/>
-            <pc:sldMk cId="2604529835" sldId="270"/>
-            <ac:spMk id="2" creationId="{FA5C45A5-AD2E-496B-8269-C1624D4BAE47}"/>
-          </ac:spMkLst>
-        </pc:spChg>
-        <pc:spChg chg="mod">
-          <ac:chgData name="Harsh Modi" userId="9b11284f-2ff1-4f11-8d2e-728779c653c6" providerId="ADAL" clId="{ECE46D58-B7B5-4482-9F65-EDAD18A6F4F8}" dt="2021-08-18T08:55:40.057" v="2335" actId="20577"/>
-          <ac:spMkLst>
-            <pc:docMk/>
-            <pc:sldMk cId="2604529835" sldId="270"/>
-            <ac:spMk id="3" creationId="{77F527DB-6133-4F01-B7FB-2DCAA262FE10}"/>
-          </ac:spMkLst>
-        </pc:spChg>
-      </pc:sldChg>
-      <pc:sldChg chg="addSp modSp new mod setBg">
-        <pc:chgData name="Harsh Modi" userId="9b11284f-2ff1-4f11-8d2e-728779c653c6" providerId="ADAL" clId="{ECE46D58-B7B5-4482-9F65-EDAD18A6F4F8}" dt="2021-08-18T08:57:38.015" v="2363" actId="26606"/>
-        <pc:sldMkLst>
-          <pc:docMk/>
-          <pc:sldMk cId="2251694311" sldId="271"/>
-        </pc:sldMkLst>
-        <pc:spChg chg="mod">
-          <ac:chgData name="Harsh Modi" userId="9b11284f-2ff1-4f11-8d2e-728779c653c6" providerId="ADAL" clId="{ECE46D58-B7B5-4482-9F65-EDAD18A6F4F8}" dt="2021-08-18T08:57:38.015" v="2363" actId="26606"/>
-          <ac:spMkLst>
-            <pc:docMk/>
-            <pc:sldMk cId="2251694311" sldId="271"/>
-            <ac:spMk id="2" creationId="{AD9BCFAB-6914-4DDC-A160-79DBAE9D33C0}"/>
-          </ac:spMkLst>
-        </pc:spChg>
-        <pc:spChg chg="add">
-          <ac:chgData name="Harsh Modi" userId="9b11284f-2ff1-4f11-8d2e-728779c653c6" providerId="ADAL" clId="{ECE46D58-B7B5-4482-9F65-EDAD18A6F4F8}" dt="2021-08-18T08:57:38.015" v="2363" actId="26606"/>
-          <ac:spMkLst>
-            <pc:docMk/>
-            <pc:sldMk cId="2251694311" sldId="271"/>
-            <ac:spMk id="71" creationId="{A6EF5A53-0A64-4CA5-B9C7-1CB97CB5CF1C}"/>
-          </ac:spMkLst>
-        </pc:spChg>
-        <pc:spChg chg="add">
-          <ac:chgData name="Harsh Modi" userId="9b11284f-2ff1-4f11-8d2e-728779c653c6" providerId="ADAL" clId="{ECE46D58-B7B5-4482-9F65-EDAD18A6F4F8}" dt="2021-08-18T08:57:38.015" v="2363" actId="26606"/>
-          <ac:spMkLst>
-            <pc:docMk/>
-            <pc:sldMk cId="2251694311" sldId="271"/>
-            <ac:spMk id="73" creationId="{34ABFBEA-4EB0-4D02-A2C0-1733CD3D6F12}"/>
-          </ac:spMkLst>
-        </pc:spChg>
-        <pc:spChg chg="add">
-          <ac:chgData name="Harsh Modi" userId="9b11284f-2ff1-4f11-8d2e-728779c653c6" providerId="ADAL" clId="{ECE46D58-B7B5-4482-9F65-EDAD18A6F4F8}" dt="2021-08-18T08:57:38.015" v="2363" actId="26606"/>
-          <ac:spMkLst>
-            <pc:docMk/>
-            <pc:sldMk cId="2251694311" sldId="271"/>
-            <ac:spMk id="75" creationId="{19E083F6-57F4-487B-A766-EA0462B1EED8}"/>
-          </ac:spMkLst>
-        </pc:spChg>
-        <pc:spChg chg="add">
-          <ac:chgData name="Harsh Modi" userId="9b11284f-2ff1-4f11-8d2e-728779c653c6" providerId="ADAL" clId="{ECE46D58-B7B5-4482-9F65-EDAD18A6F4F8}" dt="2021-08-18T08:57:38.015" v="2363" actId="26606"/>
-          <ac:spMkLst>
-            <pc:docMk/>
-            <pc:sldMk cId="2251694311" sldId="271"/>
-            <ac:spMk id="77" creationId="{665A5CBD-5BDA-4345-915C-718F0E585911}"/>
-          </ac:spMkLst>
-        </pc:spChg>
-        <pc:spChg chg="add">
-          <ac:chgData name="Harsh Modi" userId="9b11284f-2ff1-4f11-8d2e-728779c653c6" providerId="ADAL" clId="{ECE46D58-B7B5-4482-9F65-EDAD18A6F4F8}" dt="2021-08-18T08:57:38.015" v="2363" actId="26606"/>
-          <ac:spMkLst>
-            <pc:docMk/>
-            <pc:sldMk cId="2251694311" sldId="271"/>
-            <ac:spMk id="79" creationId="{B477D3A6-687D-4361-9296-DE87DD334BA0}"/>
-          </ac:spMkLst>
-        </pc:spChg>
-        <pc:spChg chg="add">
-          <ac:chgData name="Harsh Modi" userId="9b11284f-2ff1-4f11-8d2e-728779c653c6" providerId="ADAL" clId="{ECE46D58-B7B5-4482-9F65-EDAD18A6F4F8}" dt="2021-08-18T08:57:38.015" v="2363" actId="26606"/>
-          <ac:spMkLst>
-            <pc:docMk/>
-            <pc:sldMk cId="2251694311" sldId="271"/>
-            <ac:spMk id="81" creationId="{11DDE813-EC85-43AC-97E8-924708921161}"/>
-          </ac:spMkLst>
-        </pc:spChg>
-        <pc:spChg chg="add">
-          <ac:chgData name="Harsh Modi" userId="9b11284f-2ff1-4f11-8d2e-728779c653c6" providerId="ADAL" clId="{ECE46D58-B7B5-4482-9F65-EDAD18A6F4F8}" dt="2021-08-18T08:57:38.015" v="2363" actId="26606"/>
-          <ac:spMkLst>
-            <pc:docMk/>
-            <pc:sldMk cId="2251694311" sldId="271"/>
-            <ac:spMk id="83" creationId="{D3EC99D5-86FA-4CD7-95CF-B41FC946A1E8}"/>
-          </ac:spMkLst>
-        </pc:spChg>
-        <pc:picChg chg="add mod ord">
-          <ac:chgData name="Harsh Modi" userId="9b11284f-2ff1-4f11-8d2e-728779c653c6" providerId="ADAL" clId="{ECE46D58-B7B5-4482-9F65-EDAD18A6F4F8}" dt="2021-08-18T08:57:38.015" v="2363" actId="26606"/>
-          <ac:picMkLst>
-            <pc:docMk/>
-            <pc:sldMk cId="2251694311" sldId="271"/>
-            <ac:picMk id="4" creationId="{989AABC3-9BA5-4180-88BD-D0111038DB79}"/>
-          </ac:picMkLst>
-        </pc:picChg>
-        <pc:picChg chg="add mod">
-          <ac:chgData name="Harsh Modi" userId="9b11284f-2ff1-4f11-8d2e-728779c653c6" providerId="ADAL" clId="{ECE46D58-B7B5-4482-9F65-EDAD18A6F4F8}" dt="2021-08-18T08:57:38.015" v="2363" actId="26606"/>
-          <ac:picMkLst>
-            <pc:docMk/>
-            <pc:sldMk cId="2251694311" sldId="271"/>
-            <ac:picMk id="1026" creationId="{11AEAA78-7B34-470D-BE0D-8BDF7A411B9D}"/>
-          </ac:picMkLst>
-        </pc:picChg>
-      </pc:sldChg>
-      <pc:sldMasterChg chg="add del addSldLayout delSldLayout">
-        <pc:chgData name="Harsh Modi" userId="9b11284f-2ff1-4f11-8d2e-728779c653c6" providerId="ADAL" clId="{ECE46D58-B7B5-4482-9F65-EDAD18A6F4F8}" dt="2021-08-17T23:45:40.157" v="8" actId="26606"/>
-        <pc:sldMasterMkLst>
-          <pc:docMk/>
-          <pc:sldMasterMk cId="315096139" sldId="2147483648"/>
-        </pc:sldMasterMkLst>
-        <pc:sldLayoutChg chg="add del">
-          <pc:chgData name="Harsh Modi" userId="9b11284f-2ff1-4f11-8d2e-728779c653c6" providerId="ADAL" clId="{ECE46D58-B7B5-4482-9F65-EDAD18A6F4F8}" dt="2021-08-17T23:45:40.157" v="8" actId="26606"/>
-          <pc:sldLayoutMkLst>
-            <pc:docMk/>
-            <pc:sldMasterMk cId="315096139" sldId="2147483648"/>
-            <pc:sldLayoutMk cId="129103968" sldId="2147483649"/>
-          </pc:sldLayoutMkLst>
-        </pc:sldLayoutChg>
-        <pc:sldLayoutChg chg="add del">
-          <pc:chgData name="Harsh Modi" userId="9b11284f-2ff1-4f11-8d2e-728779c653c6" providerId="ADAL" clId="{ECE46D58-B7B5-4482-9F65-EDAD18A6F4F8}" dt="2021-08-17T23:45:40.157" v="8" actId="26606"/>
-          <pc:sldLayoutMkLst>
-            <pc:docMk/>
-            <pc:sldMasterMk cId="315096139" sldId="2147483648"/>
-            <pc:sldLayoutMk cId="2338240842" sldId="2147483650"/>
-          </pc:sldLayoutMkLst>
-        </pc:sldLayoutChg>
-        <pc:sldLayoutChg chg="add del">
-          <pc:chgData name="Harsh Modi" userId="9b11284f-2ff1-4f11-8d2e-728779c653c6" providerId="ADAL" clId="{ECE46D58-B7B5-4482-9F65-EDAD18A6F4F8}" dt="2021-08-17T23:45:40.157" v="8" actId="26606"/>
-          <pc:sldLayoutMkLst>
-            <pc:docMk/>
-            <pc:sldMasterMk cId="315096139" sldId="2147483648"/>
-            <pc:sldLayoutMk cId="805271671" sldId="2147483651"/>
-          </pc:sldLayoutMkLst>
-        </pc:sldLayoutChg>
-        <pc:sldLayoutChg chg="add del">
-          <pc:chgData name="Harsh Modi" userId="9b11284f-2ff1-4f11-8d2e-728779c653c6" providerId="ADAL" clId="{ECE46D58-B7B5-4482-9F65-EDAD18A6F4F8}" dt="2021-08-17T23:45:40.157" v="8" actId="26606"/>
-          <pc:sldLayoutMkLst>
-            <pc:docMk/>
-            <pc:sldMasterMk cId="315096139" sldId="2147483648"/>
-            <pc:sldLayoutMk cId="3863472788" sldId="2147483652"/>
-          </pc:sldLayoutMkLst>
-        </pc:sldLayoutChg>
-        <pc:sldLayoutChg chg="add del">
-          <pc:chgData name="Harsh Modi" userId="9b11284f-2ff1-4f11-8d2e-728779c653c6" providerId="ADAL" clId="{ECE46D58-B7B5-4482-9F65-EDAD18A6F4F8}" dt="2021-08-17T23:45:40.157" v="8" actId="26606"/>
-          <pc:sldLayoutMkLst>
-            <pc:docMk/>
-            <pc:sldMasterMk cId="315096139" sldId="2147483648"/>
-            <pc:sldLayoutMk cId="2096553395" sldId="2147483653"/>
-          </pc:sldLayoutMkLst>
-        </pc:sldLayoutChg>
-        <pc:sldLayoutChg chg="add del">
-          <pc:chgData name="Harsh Modi" userId="9b11284f-2ff1-4f11-8d2e-728779c653c6" providerId="ADAL" clId="{ECE46D58-B7B5-4482-9F65-EDAD18A6F4F8}" dt="2021-08-17T23:45:40.157" v="8" actId="26606"/>
-          <pc:sldLayoutMkLst>
-            <pc:docMk/>
-            <pc:sldMasterMk cId="315096139" sldId="2147483648"/>
-            <pc:sldLayoutMk cId="4073700470" sldId="2147483654"/>
-          </pc:sldLayoutMkLst>
-        </pc:sldLayoutChg>
-        <pc:sldLayoutChg chg="add del">
-          <pc:chgData name="Harsh Modi" userId="9b11284f-2ff1-4f11-8d2e-728779c653c6" providerId="ADAL" clId="{ECE46D58-B7B5-4482-9F65-EDAD18A6F4F8}" dt="2021-08-17T23:45:40.157" v="8" actId="26606"/>
-          <pc:sldLayoutMkLst>
-            <pc:docMk/>
-            <pc:sldMasterMk cId="315096139" sldId="2147483648"/>
-            <pc:sldLayoutMk cId="3024154597" sldId="2147483655"/>
-          </pc:sldLayoutMkLst>
-        </pc:sldLayoutChg>
-        <pc:sldLayoutChg chg="add del">
-          <pc:chgData name="Harsh Modi" userId="9b11284f-2ff1-4f11-8d2e-728779c653c6" providerId="ADAL" clId="{ECE46D58-B7B5-4482-9F65-EDAD18A6F4F8}" dt="2021-08-17T23:45:40.157" v="8" actId="26606"/>
-          <pc:sldLayoutMkLst>
-            <pc:docMk/>
-            <pc:sldMasterMk cId="315096139" sldId="2147483648"/>
-            <pc:sldLayoutMk cId="348181423" sldId="2147483656"/>
-          </pc:sldLayoutMkLst>
-        </pc:sldLayoutChg>
-        <pc:sldLayoutChg chg="add del">
-          <pc:chgData name="Harsh Modi" userId="9b11284f-2ff1-4f11-8d2e-728779c653c6" providerId="ADAL" clId="{ECE46D58-B7B5-4482-9F65-EDAD18A6F4F8}" dt="2021-08-17T23:45:40.157" v="8" actId="26606"/>
-          <pc:sldLayoutMkLst>
-            <pc:docMk/>
-            <pc:sldMasterMk cId="315096139" sldId="2147483648"/>
-            <pc:sldLayoutMk cId="1975486601" sldId="2147483657"/>
-          </pc:sldLayoutMkLst>
-        </pc:sldLayoutChg>
-        <pc:sldLayoutChg chg="add del">
-          <pc:chgData name="Harsh Modi" userId="9b11284f-2ff1-4f11-8d2e-728779c653c6" providerId="ADAL" clId="{ECE46D58-B7B5-4482-9F65-EDAD18A6F4F8}" dt="2021-08-17T23:45:40.157" v="8" actId="26606"/>
-          <pc:sldLayoutMkLst>
-            <pc:docMk/>
-            <pc:sldMasterMk cId="315096139" sldId="2147483648"/>
-            <pc:sldLayoutMk cId="4172225087" sldId="2147483658"/>
-          </pc:sldLayoutMkLst>
-        </pc:sldLayoutChg>
-        <pc:sldLayoutChg chg="add del">
-          <pc:chgData name="Harsh Modi" userId="9b11284f-2ff1-4f11-8d2e-728779c653c6" providerId="ADAL" clId="{ECE46D58-B7B5-4482-9F65-EDAD18A6F4F8}" dt="2021-08-17T23:45:40.157" v="8" actId="26606"/>
-          <pc:sldLayoutMkLst>
-            <pc:docMk/>
-            <pc:sldMasterMk cId="315096139" sldId="2147483648"/>
-            <pc:sldLayoutMk cId="2551644540" sldId="2147483659"/>
-          </pc:sldLayoutMkLst>
-        </pc:sldLayoutChg>
-      </pc:sldMasterChg>
-      <pc:sldMasterChg chg="add del replId addSldLayout delSldLayout">
-        <pc:chgData name="Harsh Modi" userId="9b11284f-2ff1-4f11-8d2e-728779c653c6" providerId="ADAL" clId="{ECE46D58-B7B5-4482-9F65-EDAD18A6F4F8}" dt="2021-08-17T23:45:40.102" v="7" actId="26606"/>
-        <pc:sldMasterMkLst>
-          <pc:docMk/>
-          <pc:sldMasterMk cId="1842180727" sldId="2147483660"/>
-        </pc:sldMasterMkLst>
-        <pc:sldLayoutChg chg="add del">
-          <pc:chgData name="Harsh Modi" userId="9b11284f-2ff1-4f11-8d2e-728779c653c6" providerId="ADAL" clId="{ECE46D58-B7B5-4482-9F65-EDAD18A6F4F8}" dt="2021-08-17T23:45:40.102" v="7" actId="26606"/>
-          <pc:sldLayoutMkLst>
-            <pc:docMk/>
-            <pc:sldMasterMk cId="1842180727" sldId="2147483660"/>
-            <pc:sldLayoutMk cId="1195937951" sldId="2147483661"/>
-          </pc:sldLayoutMkLst>
-        </pc:sldLayoutChg>
-        <pc:sldLayoutChg chg="add del replId">
-          <pc:chgData name="Harsh Modi" userId="9b11284f-2ff1-4f11-8d2e-728779c653c6" providerId="ADAL" clId="{ECE46D58-B7B5-4482-9F65-EDAD18A6F4F8}" dt="2021-08-17T23:45:40.102" v="7" actId="26606"/>
-          <pc:sldLayoutMkLst>
-            <pc:docMk/>
-            <pc:sldMasterMk cId="1842180727" sldId="2147483660"/>
-            <pc:sldLayoutMk cId="2310474375" sldId="2147483662"/>
-          </pc:sldLayoutMkLst>
-        </pc:sldLayoutChg>
-        <pc:sldLayoutChg chg="add del replId">
-          <pc:chgData name="Harsh Modi" userId="9b11284f-2ff1-4f11-8d2e-728779c653c6" providerId="ADAL" clId="{ECE46D58-B7B5-4482-9F65-EDAD18A6F4F8}" dt="2021-08-17T23:45:40.102" v="7" actId="26606"/>
-          <pc:sldLayoutMkLst>
-            <pc:docMk/>
-            <pc:sldMasterMk cId="1842180727" sldId="2147483660"/>
-            <pc:sldLayoutMk cId="1097035326" sldId="2147483663"/>
-          </pc:sldLayoutMkLst>
-        </pc:sldLayoutChg>
-        <pc:sldLayoutChg chg="add del replId">
-          <pc:chgData name="Harsh Modi" userId="9b11284f-2ff1-4f11-8d2e-728779c653c6" providerId="ADAL" clId="{ECE46D58-B7B5-4482-9F65-EDAD18A6F4F8}" dt="2021-08-17T23:45:40.102" v="7" actId="26606"/>
-          <pc:sldLayoutMkLst>
-            <pc:docMk/>
-            <pc:sldMasterMk cId="1842180727" sldId="2147483660"/>
-            <pc:sldLayoutMk cId="874303620" sldId="2147483664"/>
-          </pc:sldLayoutMkLst>
-        </pc:sldLayoutChg>
-        <pc:sldLayoutChg chg="add del replId">
-          <pc:chgData name="Harsh Modi" userId="9b11284f-2ff1-4f11-8d2e-728779c653c6" providerId="ADAL" clId="{ECE46D58-B7B5-4482-9F65-EDAD18A6F4F8}" dt="2021-08-17T23:45:40.102" v="7" actId="26606"/>
-          <pc:sldLayoutMkLst>
-            <pc:docMk/>
-            <pc:sldMasterMk cId="1842180727" sldId="2147483660"/>
-            <pc:sldLayoutMk cId="3366411554" sldId="2147483665"/>
-          </pc:sldLayoutMkLst>
-        </pc:sldLayoutChg>
-        <pc:sldLayoutChg chg="add del replId">
-          <pc:chgData name="Harsh Modi" userId="9b11284f-2ff1-4f11-8d2e-728779c653c6" providerId="ADAL" clId="{ECE46D58-B7B5-4482-9F65-EDAD18A6F4F8}" dt="2021-08-17T23:45:40.102" v="7" actId="26606"/>
-          <pc:sldLayoutMkLst>
-            <pc:docMk/>
-            <pc:sldMasterMk cId="1842180727" sldId="2147483660"/>
-            <pc:sldLayoutMk cId="3325224207" sldId="2147483666"/>
-          </pc:sldLayoutMkLst>
-        </pc:sldLayoutChg>
-        <pc:sldLayoutChg chg="add del replId">
-          <pc:chgData name="Harsh Modi" userId="9b11284f-2ff1-4f11-8d2e-728779c653c6" providerId="ADAL" clId="{ECE46D58-B7B5-4482-9F65-EDAD18A6F4F8}" dt="2021-08-17T23:45:40.102" v="7" actId="26606"/>
-          <pc:sldLayoutMkLst>
-            <pc:docMk/>
-            <pc:sldMasterMk cId="1842180727" sldId="2147483660"/>
-            <pc:sldLayoutMk cId="3288325996" sldId="2147483667"/>
-          </pc:sldLayoutMkLst>
-        </pc:sldLayoutChg>
-        <pc:sldLayoutChg chg="add del replId">
-          <pc:chgData name="Harsh Modi" userId="9b11284f-2ff1-4f11-8d2e-728779c653c6" providerId="ADAL" clId="{ECE46D58-B7B5-4482-9F65-EDAD18A6F4F8}" dt="2021-08-17T23:45:40.102" v="7" actId="26606"/>
-          <pc:sldLayoutMkLst>
-            <pc:docMk/>
-            <pc:sldMasterMk cId="1842180727" sldId="2147483660"/>
-            <pc:sldLayoutMk cId="1951562975" sldId="2147483668"/>
-          </pc:sldLayoutMkLst>
-        </pc:sldLayoutChg>
-        <pc:sldLayoutChg chg="add del replId">
-          <pc:chgData name="Harsh Modi" userId="9b11284f-2ff1-4f11-8d2e-728779c653c6" providerId="ADAL" clId="{ECE46D58-B7B5-4482-9F65-EDAD18A6F4F8}" dt="2021-08-17T23:45:40.102" v="7" actId="26606"/>
-          <pc:sldLayoutMkLst>
-            <pc:docMk/>
-            <pc:sldMasterMk cId="1842180727" sldId="2147483660"/>
-            <pc:sldLayoutMk cId="2243520745" sldId="2147483669"/>
-          </pc:sldLayoutMkLst>
-        </pc:sldLayoutChg>
-        <pc:sldLayoutChg chg="add del replId">
-          <pc:chgData name="Harsh Modi" userId="9b11284f-2ff1-4f11-8d2e-728779c653c6" providerId="ADAL" clId="{ECE46D58-B7B5-4482-9F65-EDAD18A6F4F8}" dt="2021-08-17T23:45:40.102" v="7" actId="26606"/>
-          <pc:sldLayoutMkLst>
-            <pc:docMk/>
-            <pc:sldMasterMk cId="1842180727" sldId="2147483660"/>
-            <pc:sldLayoutMk cId="2887146180" sldId="2147483670"/>
-          </pc:sldLayoutMkLst>
-        </pc:sldLayoutChg>
-        <pc:sldLayoutChg chg="add del replId">
-          <pc:chgData name="Harsh Modi" userId="9b11284f-2ff1-4f11-8d2e-728779c653c6" providerId="ADAL" clId="{ECE46D58-B7B5-4482-9F65-EDAD18A6F4F8}" dt="2021-08-17T23:45:40.102" v="7" actId="26606"/>
-          <pc:sldLayoutMkLst>
-            <pc:docMk/>
-            <pc:sldMasterMk cId="1842180727" sldId="2147483660"/>
-            <pc:sldLayoutMk cId="1358276574" sldId="2147483671"/>
-          </pc:sldLayoutMkLst>
-        </pc:sldLayoutChg>
-      </pc:sldMasterChg>
-      <pc:sldMasterChg chg="add del addSldLayout delSldLayout">
-        <pc:chgData name="Harsh Modi" userId="9b11284f-2ff1-4f11-8d2e-728779c653c6" providerId="ADAL" clId="{ECE46D58-B7B5-4482-9F65-EDAD18A6F4F8}" dt="2021-08-17T23:45:40.157" v="8" actId="26606"/>
-        <pc:sldMasterMkLst>
-          <pc:docMk/>
-          <pc:sldMasterMk cId="2624384945" sldId="2147483673"/>
-        </pc:sldMasterMkLst>
-        <pc:sldLayoutChg chg="add del">
-          <pc:chgData name="Harsh Modi" userId="9b11284f-2ff1-4f11-8d2e-728779c653c6" providerId="ADAL" clId="{ECE46D58-B7B5-4482-9F65-EDAD18A6F4F8}" dt="2021-08-17T23:45:40.157" v="8" actId="26606"/>
-          <pc:sldLayoutMkLst>
-            <pc:docMk/>
-            <pc:sldMasterMk cId="2624384945" sldId="2147483673"/>
-            <pc:sldLayoutMk cId="1607384279" sldId="2147483662"/>
-          </pc:sldLayoutMkLst>
-        </pc:sldLayoutChg>
-        <pc:sldLayoutChg chg="add del">
-          <pc:chgData name="Harsh Modi" userId="9b11284f-2ff1-4f11-8d2e-728779c653c6" providerId="ADAL" clId="{ECE46D58-B7B5-4482-9F65-EDAD18A6F4F8}" dt="2021-08-17T23:45:40.157" v="8" actId="26606"/>
-          <pc:sldLayoutMkLst>
-            <pc:docMk/>
-            <pc:sldMasterMk cId="2624384945" sldId="2147483673"/>
-            <pc:sldLayoutMk cId="3197194264" sldId="2147483663"/>
-          </pc:sldLayoutMkLst>
-        </pc:sldLayoutChg>
-        <pc:sldLayoutChg chg="add del">
-          <pc:chgData name="Harsh Modi" userId="9b11284f-2ff1-4f11-8d2e-728779c653c6" providerId="ADAL" clId="{ECE46D58-B7B5-4482-9F65-EDAD18A6F4F8}" dt="2021-08-17T23:45:40.157" v="8" actId="26606"/>
-          <pc:sldLayoutMkLst>
-            <pc:docMk/>
-            <pc:sldMasterMk cId="2624384945" sldId="2147483673"/>
-            <pc:sldLayoutMk cId="1096656667" sldId="2147483664"/>
-          </pc:sldLayoutMkLst>
-        </pc:sldLayoutChg>
-        <pc:sldLayoutChg chg="add del">
-          <pc:chgData name="Harsh Modi" userId="9b11284f-2ff1-4f11-8d2e-728779c653c6" providerId="ADAL" clId="{ECE46D58-B7B5-4482-9F65-EDAD18A6F4F8}" dt="2021-08-17T23:45:40.157" v="8" actId="26606"/>
-          <pc:sldLayoutMkLst>
-            <pc:docMk/>
-            <pc:sldMasterMk cId="2624384945" sldId="2147483673"/>
-            <pc:sldLayoutMk cId="2545751292" sldId="2147483665"/>
-          </pc:sldLayoutMkLst>
-        </pc:sldLayoutChg>
-        <pc:sldLayoutChg chg="add del">
-          <pc:chgData name="Harsh Modi" userId="9b11284f-2ff1-4f11-8d2e-728779c653c6" providerId="ADAL" clId="{ECE46D58-B7B5-4482-9F65-EDAD18A6F4F8}" dt="2021-08-17T23:45:40.157" v="8" actId="26606"/>
-          <pc:sldLayoutMkLst>
-            <pc:docMk/>
-            <pc:sldMasterMk cId="2624384945" sldId="2147483673"/>
-            <pc:sldLayoutMk cId="813513181" sldId="2147483666"/>
-          </pc:sldLayoutMkLst>
-        </pc:sldLayoutChg>
-        <pc:sldLayoutChg chg="add del">
-          <pc:chgData name="Harsh Modi" userId="9b11284f-2ff1-4f11-8d2e-728779c653c6" providerId="ADAL" clId="{ECE46D58-B7B5-4482-9F65-EDAD18A6F4F8}" dt="2021-08-17T23:45:40.157" v="8" actId="26606"/>
-          <pc:sldLayoutMkLst>
-            <pc:docMk/>
-            <pc:sldMasterMk cId="2624384945" sldId="2147483673"/>
-            <pc:sldLayoutMk cId="3765040998" sldId="2147483667"/>
-          </pc:sldLayoutMkLst>
-        </pc:sldLayoutChg>
-        <pc:sldLayoutChg chg="add del">
-          <pc:chgData name="Harsh Modi" userId="9b11284f-2ff1-4f11-8d2e-728779c653c6" providerId="ADAL" clId="{ECE46D58-B7B5-4482-9F65-EDAD18A6F4F8}" dt="2021-08-17T23:45:40.157" v="8" actId="26606"/>
-          <pc:sldLayoutMkLst>
-            <pc:docMk/>
-            <pc:sldMasterMk cId="2624384945" sldId="2147483673"/>
-            <pc:sldLayoutMk cId="3287832834" sldId="2147483668"/>
-          </pc:sldLayoutMkLst>
-        </pc:sldLayoutChg>
-        <pc:sldLayoutChg chg="add del">
-          <pc:chgData name="Harsh Modi" userId="9b11284f-2ff1-4f11-8d2e-728779c653c6" providerId="ADAL" clId="{ECE46D58-B7B5-4482-9F65-EDAD18A6F4F8}" dt="2021-08-17T23:45:40.157" v="8" actId="26606"/>
-          <pc:sldLayoutMkLst>
-            <pc:docMk/>
-            <pc:sldMasterMk cId="2624384945" sldId="2147483673"/>
-            <pc:sldLayoutMk cId="3984872820" sldId="2147483669"/>
-          </pc:sldLayoutMkLst>
-        </pc:sldLayoutChg>
-        <pc:sldLayoutChg chg="add del">
-          <pc:chgData name="Harsh Modi" userId="9b11284f-2ff1-4f11-8d2e-728779c653c6" providerId="ADAL" clId="{ECE46D58-B7B5-4482-9F65-EDAD18A6F4F8}" dt="2021-08-17T23:45:40.157" v="8" actId="26606"/>
-          <pc:sldLayoutMkLst>
-            <pc:docMk/>
-            <pc:sldMasterMk cId="2624384945" sldId="2147483673"/>
-            <pc:sldLayoutMk cId="2542787510" sldId="2147483670"/>
-          </pc:sldLayoutMkLst>
-        </pc:sldLayoutChg>
-        <pc:sldLayoutChg chg="add del">
-          <pc:chgData name="Harsh Modi" userId="9b11284f-2ff1-4f11-8d2e-728779c653c6" providerId="ADAL" clId="{ECE46D58-B7B5-4482-9F65-EDAD18A6F4F8}" dt="2021-08-17T23:45:40.157" v="8" actId="26606"/>
-          <pc:sldLayoutMkLst>
-            <pc:docMk/>
-            <pc:sldMasterMk cId="2624384945" sldId="2147483673"/>
-            <pc:sldLayoutMk cId="1160053567" sldId="2147483671"/>
-          </pc:sldLayoutMkLst>
-        </pc:sldLayoutChg>
-        <pc:sldLayoutChg chg="add del">
-          <pc:chgData name="Harsh Modi" userId="9b11284f-2ff1-4f11-8d2e-728779c653c6" providerId="ADAL" clId="{ECE46D58-B7B5-4482-9F65-EDAD18A6F4F8}" dt="2021-08-17T23:45:40.157" v="8" actId="26606"/>
-          <pc:sldLayoutMkLst>
-            <pc:docMk/>
-            <pc:sldMasterMk cId="2624384945" sldId="2147483673"/>
-            <pc:sldLayoutMk cId="2603101886" sldId="2147483672"/>
-          </pc:sldLayoutMkLst>
-        </pc:sldLayoutChg>
-      </pc:sldMasterChg>
-      <pc:sldMasterChg chg="del delSldLayout">
-        <pc:chgData name="Harsh Modi" userId="9b11284f-2ff1-4f11-8d2e-728779c653c6" providerId="ADAL" clId="{ECE46D58-B7B5-4482-9F65-EDAD18A6F4F8}" dt="2021-08-17T23:44:18.666" v="1" actId="26606"/>
-        <pc:sldMasterMkLst>
-          <pc:docMk/>
-          <pc:sldMasterMk cId="3252921821" sldId="2147483739"/>
-        </pc:sldMasterMkLst>
-        <pc:sldLayoutChg chg="del">
-          <pc:chgData name="Harsh Modi" userId="9b11284f-2ff1-4f11-8d2e-728779c653c6" providerId="ADAL" clId="{ECE46D58-B7B5-4482-9F65-EDAD18A6F4F8}" dt="2021-08-17T23:44:18.666" v="1" actId="26606"/>
-          <pc:sldLayoutMkLst>
-            <pc:docMk/>
-            <pc:sldMasterMk cId="3252921821" sldId="2147483739"/>
-            <pc:sldLayoutMk cId="2298420535" sldId="2147483728"/>
-          </pc:sldLayoutMkLst>
-        </pc:sldLayoutChg>
-        <pc:sldLayoutChg chg="del">
-          <pc:chgData name="Harsh Modi" userId="9b11284f-2ff1-4f11-8d2e-728779c653c6" providerId="ADAL" clId="{ECE46D58-B7B5-4482-9F65-EDAD18A6F4F8}" dt="2021-08-17T23:44:18.666" v="1" actId="26606"/>
-          <pc:sldLayoutMkLst>
-            <pc:docMk/>
-            <pc:sldMasterMk cId="3252921821" sldId="2147483739"/>
-            <pc:sldLayoutMk cId="2029247679" sldId="2147483729"/>
-          </pc:sldLayoutMkLst>
-        </pc:sldLayoutChg>
-        <pc:sldLayoutChg chg="del">
-          <pc:chgData name="Harsh Modi" userId="9b11284f-2ff1-4f11-8d2e-728779c653c6" providerId="ADAL" clId="{ECE46D58-B7B5-4482-9F65-EDAD18A6F4F8}" dt="2021-08-17T23:44:18.666" v="1" actId="26606"/>
-          <pc:sldLayoutMkLst>
-            <pc:docMk/>
-            <pc:sldMasterMk cId="3252921821" sldId="2147483739"/>
-            <pc:sldLayoutMk cId="2637885638" sldId="2147483730"/>
-          </pc:sldLayoutMkLst>
-        </pc:sldLayoutChg>
-        <pc:sldLayoutChg chg="del">
-          <pc:chgData name="Harsh Modi" userId="9b11284f-2ff1-4f11-8d2e-728779c653c6" providerId="ADAL" clId="{ECE46D58-B7B5-4482-9F65-EDAD18A6F4F8}" dt="2021-08-17T23:44:18.666" v="1" actId="26606"/>
-          <pc:sldLayoutMkLst>
-            <pc:docMk/>
-            <pc:sldMasterMk cId="3252921821" sldId="2147483739"/>
-            <pc:sldLayoutMk cId="2309715077" sldId="2147483731"/>
-          </pc:sldLayoutMkLst>
-        </pc:sldLayoutChg>
-        <pc:sldLayoutChg chg="del">
-          <pc:chgData name="Harsh Modi" userId="9b11284f-2ff1-4f11-8d2e-728779c653c6" providerId="ADAL" clId="{ECE46D58-B7B5-4482-9F65-EDAD18A6F4F8}" dt="2021-08-17T23:44:18.666" v="1" actId="26606"/>
-          <pc:sldLayoutMkLst>
-            <pc:docMk/>
-            <pc:sldMasterMk cId="3252921821" sldId="2147483739"/>
-            <pc:sldLayoutMk cId="3812892612" sldId="2147483732"/>
-          </pc:sldLayoutMkLst>
-        </pc:sldLayoutChg>
-        <pc:sldLayoutChg chg="del">
-          <pc:chgData name="Harsh Modi" userId="9b11284f-2ff1-4f11-8d2e-728779c653c6" providerId="ADAL" clId="{ECE46D58-B7B5-4482-9F65-EDAD18A6F4F8}" dt="2021-08-17T23:44:18.666" v="1" actId="26606"/>
-          <pc:sldLayoutMkLst>
-            <pc:docMk/>
-            <pc:sldMasterMk cId="3252921821" sldId="2147483739"/>
-            <pc:sldLayoutMk cId="711891550" sldId="2147483733"/>
-          </pc:sldLayoutMkLst>
-        </pc:sldLayoutChg>
-        <pc:sldLayoutChg chg="del">
-          <pc:chgData name="Harsh Modi" userId="9b11284f-2ff1-4f11-8d2e-728779c653c6" providerId="ADAL" clId="{ECE46D58-B7B5-4482-9F65-EDAD18A6F4F8}" dt="2021-08-17T23:44:18.666" v="1" actId="26606"/>
-          <pc:sldLayoutMkLst>
-            <pc:docMk/>
-            <pc:sldMasterMk cId="3252921821" sldId="2147483739"/>
-            <pc:sldLayoutMk cId="1580951838" sldId="2147483734"/>
-          </pc:sldLayoutMkLst>
-        </pc:sldLayoutChg>
-        <pc:sldLayoutChg chg="del">
-          <pc:chgData name="Harsh Modi" userId="9b11284f-2ff1-4f11-8d2e-728779c653c6" providerId="ADAL" clId="{ECE46D58-B7B5-4482-9F65-EDAD18A6F4F8}" dt="2021-08-17T23:44:18.666" v="1" actId="26606"/>
-          <pc:sldLayoutMkLst>
-            <pc:docMk/>
-            <pc:sldMasterMk cId="3252921821" sldId="2147483739"/>
-            <pc:sldLayoutMk cId="2940874574" sldId="2147483735"/>
-          </pc:sldLayoutMkLst>
-        </pc:sldLayoutChg>
-        <pc:sldLayoutChg chg="del">
-          <pc:chgData name="Harsh Modi" userId="9b11284f-2ff1-4f11-8d2e-728779c653c6" providerId="ADAL" clId="{ECE46D58-B7B5-4482-9F65-EDAD18A6F4F8}" dt="2021-08-17T23:44:18.666" v="1" actId="26606"/>
-          <pc:sldLayoutMkLst>
-            <pc:docMk/>
-            <pc:sldMasterMk cId="3252921821" sldId="2147483739"/>
-            <pc:sldLayoutMk cId="1803403485" sldId="2147483736"/>
-          </pc:sldLayoutMkLst>
-        </pc:sldLayoutChg>
-        <pc:sldLayoutChg chg="del">
-          <pc:chgData name="Harsh Modi" userId="9b11284f-2ff1-4f11-8d2e-728779c653c6" providerId="ADAL" clId="{ECE46D58-B7B5-4482-9F65-EDAD18A6F4F8}" dt="2021-08-17T23:44:18.666" v="1" actId="26606"/>
-          <pc:sldLayoutMkLst>
-            <pc:docMk/>
-            <pc:sldMasterMk cId="3252921821" sldId="2147483739"/>
-            <pc:sldLayoutMk cId="3003552544" sldId="2147483737"/>
-          </pc:sldLayoutMkLst>
-        </pc:sldLayoutChg>
-        <pc:sldLayoutChg chg="del">
-          <pc:chgData name="Harsh Modi" userId="9b11284f-2ff1-4f11-8d2e-728779c653c6" providerId="ADAL" clId="{ECE46D58-B7B5-4482-9F65-EDAD18A6F4F8}" dt="2021-08-17T23:44:18.666" v="1" actId="26606"/>
-          <pc:sldLayoutMkLst>
-            <pc:docMk/>
-            <pc:sldMasterMk cId="3252921821" sldId="2147483739"/>
-            <pc:sldLayoutMk cId="1033480801" sldId="2147483738"/>
-          </pc:sldLayoutMkLst>
-        </pc:sldLayoutChg>
-      </pc:sldMasterChg>
     </pc:docChg>
   </pc:docChgLst>
 </pc:chgInfo>
@@ -1330,7 +1478,7 @@
           <a:p>
             <a:fld id="{76969C88-B244-455D-A017-012B25B1ACDD}" type="datetimeFigureOut">
               <a:rPr lang="en-US" smtClean="0"/>
-              <a:t>8/18/2021</a:t>
+              <a:t>8/19/2021</a:t>
             </a:fld>
             <a:endParaRPr lang="en-US"/>
           </a:p>
@@ -1528,7 +1676,7 @@
           <a:p>
             <a:fld id="{76969C88-B244-455D-A017-012B25B1ACDD}" type="datetimeFigureOut">
               <a:rPr lang="en-US" smtClean="0"/>
-              <a:t>8/18/2021</a:t>
+              <a:t>8/19/2021</a:t>
             </a:fld>
             <a:endParaRPr lang="en-US"/>
           </a:p>
@@ -1736,7 +1884,7 @@
           <a:p>
             <a:fld id="{76969C88-B244-455D-A017-012B25B1ACDD}" type="datetimeFigureOut">
               <a:rPr lang="en-US" smtClean="0"/>
-              <a:t>8/18/2021</a:t>
+              <a:t>8/19/2021</a:t>
             </a:fld>
             <a:endParaRPr lang="en-US"/>
           </a:p>
@@ -1935,7 +2083,7 @@
           <a:p>
             <a:fld id="{76969C88-B244-455D-A017-012B25B1ACDD}" type="datetimeFigureOut">
               <a:rPr lang="en-US" smtClean="0"/>
-              <a:t>8/18/2021</a:t>
+              <a:t>8/19/2021</a:t>
             </a:fld>
             <a:endParaRPr lang="en-US"/>
           </a:p>
@@ -2210,7 +2358,7 @@
           <a:p>
             <a:fld id="{76969C88-B244-455D-A017-012B25B1ACDD}" type="datetimeFigureOut">
               <a:rPr lang="en-US" smtClean="0"/>
-              <a:t>8/18/2021</a:t>
+              <a:t>8/19/2021</a:t>
             </a:fld>
             <a:endParaRPr lang="en-US"/>
           </a:p>
@@ -2475,7 +2623,7 @@
           <a:p>
             <a:fld id="{76969C88-B244-455D-A017-012B25B1ACDD}" type="datetimeFigureOut">
               <a:rPr lang="en-US" smtClean="0"/>
-              <a:t>8/18/2021</a:t>
+              <a:t>8/19/2021</a:t>
             </a:fld>
             <a:endParaRPr lang="en-US"/>
           </a:p>
@@ -2887,7 +3035,7 @@
           <a:p>
             <a:fld id="{76969C88-B244-455D-A017-012B25B1ACDD}" type="datetimeFigureOut">
               <a:rPr lang="en-US" smtClean="0"/>
-              <a:t>8/18/2021</a:t>
+              <a:t>8/19/2021</a:t>
             </a:fld>
             <a:endParaRPr lang="en-US"/>
           </a:p>
@@ -3028,7 +3176,7 @@
           <a:p>
             <a:fld id="{76969C88-B244-455D-A017-012B25B1ACDD}" type="datetimeFigureOut">
               <a:rPr lang="en-US" smtClean="0"/>
-              <a:t>8/18/2021</a:t>
+              <a:t>8/19/2021</a:t>
             </a:fld>
             <a:endParaRPr lang="en-US"/>
           </a:p>
@@ -3141,7 +3289,7 @@
           <a:p>
             <a:fld id="{76969C88-B244-455D-A017-012B25B1ACDD}" type="datetimeFigureOut">
               <a:rPr lang="en-US" smtClean="0"/>
-              <a:t>8/18/2021</a:t>
+              <a:t>8/19/2021</a:t>
             </a:fld>
             <a:endParaRPr lang="en-US"/>
           </a:p>
@@ -3453,7 +3601,7 @@
           <a:p>
             <a:fld id="{76969C88-B244-455D-A017-012B25B1ACDD}" type="datetimeFigureOut">
               <a:rPr lang="en-US" smtClean="0"/>
-              <a:t>8/18/2021</a:t>
+              <a:t>8/19/2021</a:t>
             </a:fld>
             <a:endParaRPr lang="en-US"/>
           </a:p>
@@ -3744,7 +3892,7 @@
           <a:p>
             <a:fld id="{76969C88-B244-455D-A017-012B25B1ACDD}" type="datetimeFigureOut">
               <a:rPr lang="en-US" smtClean="0"/>
-              <a:t>8/18/2021</a:t>
+              <a:t>8/19/2021</a:t>
             </a:fld>
             <a:endParaRPr lang="en-US"/>
           </a:p>
@@ -4500,7 +4648,7 @@
             <a:fld id="{76969C88-B244-455D-A017-012B25B1ACDD}" type="datetimeFigureOut">
               <a:rPr lang="en-US" smtClean="0"/>
               <a:pPr/>
-              <a:t>8/18/2021</a:t>
+              <a:t>8/19/2021</a:t>
             </a:fld>
             <a:endParaRPr lang="en-US"/>
           </a:p>
@@ -6107,6 +6255,12 @@
               <a:rPr lang="en-US" dirty="0"/>
               <a:t>Go google it.</a:t>
             </a:r>
+          </a:p>
+          <a:p>
+            <a:r>
+              <a:rPr lang="en-US" dirty="0"/>
+              <a:t>Hall of Fames (HOF) ???</a:t>
+            </a:r>
             <a:endParaRPr lang="en-CA" dirty="0"/>
           </a:p>
         </p:txBody>
@@ -6286,12 +6440,6 @@
             <a:r>
               <a:rPr lang="en-US" dirty="0"/>
               <a:t> </a:t>
-            </a:r>
-          </a:p>
-          <a:p>
-            <a:r>
-              <a:rPr lang="en-US" dirty="0"/>
-              <a:t>Nikhil Srivastav</a:t>
             </a:r>
           </a:p>
           <a:p>
@@ -7956,7 +8104,7 @@
           <a:p>
             <a:r>
               <a:rPr lang="en-US" dirty="0"/>
-              <a:t>Attitude to strive excellence</a:t>
+              <a:t>Attitude to strive excellence (#TryH4rd3r)</a:t>
             </a:r>
             <a:endParaRPr lang="en-CA" dirty="0"/>
           </a:p>
@@ -7978,6 +8126,14 @@
 <file path=ppt/slides/slide4.xml><?xml version="1.0" encoding="utf-8"?>
 <p:sld xmlns:a="http://schemas.openxmlformats.org/drawingml/2006/main" xmlns:r="http://schemas.openxmlformats.org/officeDocument/2006/relationships" xmlns:p="http://schemas.openxmlformats.org/presentationml/2006/main">
   <p:cSld>
+    <p:bg>
+      <p:bgPr>
+        <a:solidFill>
+          <a:schemeClr val="bg2"/>
+        </a:solidFill>
+        <a:effectLst/>
+      </p:bgPr>
+    </p:bg>
     <p:spTree>
       <p:nvGrpSpPr>
         <p:cNvPr id="1" name=""/>
@@ -7992,6 +8148,523 @@
           <a:chExt cx="0" cy="0"/>
         </a:xfrm>
       </p:grpSpPr>
+      <p:sp useBgFill="1">
+        <p:nvSpPr>
+          <p:cNvPr id="135" name="Rectangle 134">
+            <a:extLst>
+              <a:ext uri="{FF2B5EF4-FFF2-40B4-BE49-F238E27FC236}">
+                <a16:creationId xmlns:a16="http://schemas.microsoft.com/office/drawing/2014/main" id="{987A0FBA-CC04-4256-A8EB-BB3C543E989C}"/>
+              </a:ext>
+              <a:ext uri="{C183D7F6-B498-43B3-948B-1728B52AA6E4}">
+                <adec:decorative xmlns:adec="http://schemas.microsoft.com/office/drawing/2017/decorative" val="1"/>
+              </a:ext>
+            </a:extLst>
+          </p:cNvPr>
+          <p:cNvSpPr>
+            <a:spLocks noGrp="1" noRot="1" noChangeAspect="1" noMove="1" noResize="1" noEditPoints="1" noAdjustHandles="1" noChangeArrowheads="1" noChangeShapeType="1" noTextEdit="1"/>
+          </p:cNvSpPr>
+          <p:nvPr>
+            <p:extLst>
+              <p:ext uri="{386F3935-93C4-4BCD-93E2-E3B085C9AB24}">
+                <p16:designElem xmlns:p16="http://schemas.microsoft.com/office/powerpoint/2015/main" val="1"/>
+              </p:ext>
+            </p:extLst>
+          </p:nvPr>
+        </p:nvSpPr>
+        <p:spPr>
+          <a:xfrm>
+            <a:off x="0" y="0"/>
+            <a:ext cx="12192000" cy="6858000"/>
+          </a:xfrm>
+          <a:prstGeom prst="rect">
+            <a:avLst/>
+          </a:prstGeom>
+          <a:ln w="12700" cap="flat" cmpd="sng" algn="ctr">
+            <a:noFill/>
+            <a:prstDash val="solid"/>
+            <a:miter lim="800000"/>
+          </a:ln>
+          <a:effectLst/>
+          <a:extLst>
+            <a:ext uri="{91240B29-F687-4F45-9708-019B960494DF}">
+              <a14:hiddenLine xmlns:a14="http://schemas.microsoft.com/office/drawing/2010/main" w="12700" cap="flat" cmpd="sng" algn="ctr">
+                <a:solidFill>
+                  <a:schemeClr val="accent1">
+                    <a:shade val="50000"/>
+                  </a:schemeClr>
+                </a:solidFill>
+                <a:prstDash val="solid"/>
+                <a:miter lim="800000"/>
+              </a14:hiddenLine>
+            </a:ext>
+          </a:extLst>
+        </p:spPr>
+        <p:style>
+          <a:lnRef idx="2">
+            <a:schemeClr val="accent1">
+              <a:shade val="50000"/>
+            </a:schemeClr>
+          </a:lnRef>
+          <a:fillRef idx="1">
+            <a:schemeClr val="accent1"/>
+          </a:fillRef>
+          <a:effectRef idx="0">
+            <a:schemeClr val="accent1"/>
+          </a:effectRef>
+          <a:fontRef idx="minor">
+            <a:schemeClr val="lt1"/>
+          </a:fontRef>
+        </p:style>
+        <p:txBody>
+          <a:bodyPr rtlCol="0" anchor="ctr"/>
+          <a:lstStyle/>
+          <a:p>
+            <a:pPr algn="ctr"/>
+            <a:endParaRPr lang="en-US"/>
+          </a:p>
+        </p:txBody>
+      </p:sp>
+      <p:sp>
+        <p:nvSpPr>
+          <p:cNvPr id="137" name="Freeform: Shape 136">
+            <a:extLst>
+              <a:ext uri="{FF2B5EF4-FFF2-40B4-BE49-F238E27FC236}">
+                <a16:creationId xmlns:a16="http://schemas.microsoft.com/office/drawing/2014/main" id="{C75CD783-E708-4711-B23C-5B7B72A3D8F0}"/>
+              </a:ext>
+              <a:ext uri="{C183D7F6-B498-43B3-948B-1728B52AA6E4}">
+                <adec:decorative xmlns:adec="http://schemas.microsoft.com/office/drawing/2017/decorative" val="1"/>
+              </a:ext>
+            </a:extLst>
+          </p:cNvPr>
+          <p:cNvSpPr>
+            <a:spLocks noGrp="1" noRot="1" noChangeAspect="1" noMove="1" noResize="1" noEditPoints="1" noAdjustHandles="1" noChangeArrowheads="1" noChangeShapeType="1" noTextEdit="1"/>
+          </p:cNvSpPr>
+          <p:nvPr>
+            <p:extLst>
+              <p:ext uri="{386F3935-93C4-4BCD-93E2-E3B085C9AB24}">
+                <p16:designElem xmlns:p16="http://schemas.microsoft.com/office/powerpoint/2015/main" val="1"/>
+              </p:ext>
+            </p:extLst>
+          </p:nvPr>
+        </p:nvSpPr>
+        <p:spPr>
+          <a:xfrm>
+            <a:off x="2" y="0"/>
+            <a:ext cx="5578824" cy="6028256"/>
+          </a:xfrm>
+          <a:custGeom>
+            <a:avLst/>
+            <a:gdLst>
+              <a:gd name="connsiteX0" fmla="*/ 0 w 5578824"/>
+              <a:gd name="connsiteY0" fmla="*/ 0 h 6028256"/>
+              <a:gd name="connsiteX1" fmla="*/ 3897606 w 5578824"/>
+              <a:gd name="connsiteY1" fmla="*/ 0 h 6028256"/>
+              <a:gd name="connsiteX2" fmla="*/ 4274232 w 5578824"/>
+              <a:gd name="connsiteY2" fmla="*/ 360545 h 6028256"/>
+              <a:gd name="connsiteX3" fmla="*/ 4673934 w 5578824"/>
+              <a:gd name="connsiteY3" fmla="*/ 738354 h 6028256"/>
+              <a:gd name="connsiteX4" fmla="*/ 5421862 w 5578824"/>
+              <a:gd name="connsiteY4" fmla="*/ 1773839 h 6028256"/>
+              <a:gd name="connsiteX5" fmla="*/ 5469199 w 5578824"/>
+              <a:gd name="connsiteY5" fmla="*/ 3329255 h 6028256"/>
+              <a:gd name="connsiteX6" fmla="*/ 4741546 w 5578824"/>
+              <a:gd name="connsiteY6" fmla="*/ 4877588 h 6028256"/>
+              <a:gd name="connsiteX7" fmla="*/ 1325600 w 5578824"/>
+              <a:gd name="connsiteY7" fmla="*/ 5980388 h 6028256"/>
+              <a:gd name="connsiteX8" fmla="*/ 137593 w 5578824"/>
+              <a:gd name="connsiteY8" fmla="*/ 5804042 h 6028256"/>
+              <a:gd name="connsiteX9" fmla="*/ 0 w 5578824"/>
+              <a:gd name="connsiteY9" fmla="*/ 5760161 h 6028256"/>
+            </a:gdLst>
+            <a:ahLst/>
+            <a:cxnLst>
+              <a:cxn ang="0">
+                <a:pos x="connsiteX0" y="connsiteY0"/>
+              </a:cxn>
+              <a:cxn ang="0">
+                <a:pos x="connsiteX1" y="connsiteY1"/>
+              </a:cxn>
+              <a:cxn ang="0">
+                <a:pos x="connsiteX2" y="connsiteY2"/>
+              </a:cxn>
+              <a:cxn ang="0">
+                <a:pos x="connsiteX3" y="connsiteY3"/>
+              </a:cxn>
+              <a:cxn ang="0">
+                <a:pos x="connsiteX4" y="connsiteY4"/>
+              </a:cxn>
+              <a:cxn ang="0">
+                <a:pos x="connsiteX5" y="connsiteY5"/>
+              </a:cxn>
+              <a:cxn ang="0">
+                <a:pos x="connsiteX6" y="connsiteY6"/>
+              </a:cxn>
+              <a:cxn ang="0">
+                <a:pos x="connsiteX7" y="connsiteY7"/>
+              </a:cxn>
+              <a:cxn ang="0">
+                <a:pos x="connsiteX8" y="connsiteY8"/>
+              </a:cxn>
+              <a:cxn ang="0">
+                <a:pos x="connsiteX9" y="connsiteY9"/>
+              </a:cxn>
+            </a:cxnLst>
+            <a:rect l="l" t="t" r="r" b="b"/>
+            <a:pathLst>
+              <a:path w="5578824" h="6028256">
+                <a:moveTo>
+                  <a:pt x="0" y="0"/>
+                </a:moveTo>
+                <a:lnTo>
+                  <a:pt x="3897606" y="0"/>
+                </a:lnTo>
+                <a:lnTo>
+                  <a:pt x="4274232" y="360545"/>
+                </a:lnTo>
+                <a:cubicBezTo>
+                  <a:pt x="4408856" y="488910"/>
+                  <a:pt x="4542134" y="615181"/>
+                  <a:pt x="4673934" y="738354"/>
+                </a:cubicBezTo>
+                <a:cubicBezTo>
+                  <a:pt x="5042663" y="1082881"/>
+                  <a:pt x="5282330" y="1428108"/>
+                  <a:pt x="5421862" y="1773839"/>
+                </a:cubicBezTo>
+                <a:cubicBezTo>
+                  <a:pt x="5631101" y="2292214"/>
+                  <a:pt x="5614731" y="2811325"/>
+                  <a:pt x="5469199" y="3329255"/>
+                </a:cubicBezTo>
+                <a:cubicBezTo>
+                  <a:pt x="5323662" y="3847185"/>
+                  <a:pt x="5048962" y="4363935"/>
+                  <a:pt x="4741546" y="4877588"/>
+                </a:cubicBezTo>
+                <a:cubicBezTo>
+                  <a:pt x="4027238" y="6071494"/>
+                  <a:pt x="2764972" y="6102970"/>
+                  <a:pt x="1325600" y="5980388"/>
+                </a:cubicBezTo>
+                <a:cubicBezTo>
+                  <a:pt x="903947" y="5944442"/>
+                  <a:pt x="499735" y="5907589"/>
+                  <a:pt x="137593" y="5804042"/>
+                </a:cubicBezTo>
+                <a:lnTo>
+                  <a:pt x="0" y="5760161"/>
+                </a:lnTo>
+                <a:close/>
+              </a:path>
+            </a:pathLst>
+          </a:custGeom>
+          <a:solidFill>
+            <a:schemeClr val="accent6"/>
+          </a:solidFill>
+          <a:ln>
+            <a:noFill/>
+          </a:ln>
+        </p:spPr>
+        <p:style>
+          <a:lnRef idx="2">
+            <a:schemeClr val="accent1">
+              <a:shade val="50000"/>
+            </a:schemeClr>
+          </a:lnRef>
+          <a:fillRef idx="1">
+            <a:schemeClr val="accent1"/>
+          </a:fillRef>
+          <a:effectRef idx="0">
+            <a:schemeClr val="accent1"/>
+          </a:effectRef>
+          <a:fontRef idx="minor">
+            <a:schemeClr val="lt1"/>
+          </a:fontRef>
+        </p:style>
+        <p:txBody>
+          <a:bodyPr wrap="square" rtlCol="0" anchor="ctr">
+            <a:noAutofit/>
+          </a:bodyPr>
+          <a:lstStyle/>
+          <a:p>
+            <a:pPr algn="ctr"/>
+            <a:endParaRPr lang="en-US"/>
+          </a:p>
+        </p:txBody>
+      </p:sp>
+      <p:sp>
+        <p:nvSpPr>
+          <p:cNvPr id="139" name="Freeform: Shape 138">
+            <a:extLst>
+              <a:ext uri="{FF2B5EF4-FFF2-40B4-BE49-F238E27FC236}">
+                <a16:creationId xmlns:a16="http://schemas.microsoft.com/office/drawing/2014/main" id="{E633B38B-B87A-4288-A20F-0223A6C27A5A}"/>
+              </a:ext>
+              <a:ext uri="{C183D7F6-B498-43B3-948B-1728B52AA6E4}">
+                <adec:decorative xmlns:adec="http://schemas.microsoft.com/office/drawing/2017/decorative" val="1"/>
+              </a:ext>
+            </a:extLst>
+          </p:cNvPr>
+          <p:cNvSpPr>
+            <a:spLocks noGrp="1" noRot="1" noChangeAspect="1" noMove="1" noResize="1" noEditPoints="1" noAdjustHandles="1" noChangeArrowheads="1" noChangeShapeType="1" noTextEdit="1"/>
+          </p:cNvSpPr>
+          <p:nvPr>
+            <p:extLst>
+              <p:ext uri="{386F3935-93C4-4BCD-93E2-E3B085C9AB24}">
+                <p16:designElem xmlns:p16="http://schemas.microsoft.com/office/powerpoint/2015/main" val="1"/>
+              </p:ext>
+            </p:extLst>
+          </p:nvPr>
+        </p:nvSpPr>
+        <p:spPr>
+          <a:xfrm>
+            <a:off x="-1" y="0"/>
+            <a:ext cx="5704117" cy="6096000"/>
+          </a:xfrm>
+          <a:custGeom>
+            <a:avLst/>
+            <a:gdLst>
+              <a:gd name="connsiteX0" fmla="*/ 0 w 5704117"/>
+              <a:gd name="connsiteY0" fmla="*/ 0 h 6096000"/>
+              <a:gd name="connsiteX1" fmla="*/ 4562795 w 5704117"/>
+              <a:gd name="connsiteY1" fmla="*/ 0 h 6096000"/>
+              <a:gd name="connsiteX2" fmla="*/ 4721192 w 5704117"/>
+              <a:gd name="connsiteY2" fmla="*/ 133595 h 6096000"/>
+              <a:gd name="connsiteX3" fmla="*/ 5467522 w 5704117"/>
+              <a:gd name="connsiteY3" fmla="*/ 1054328 h 6096000"/>
+              <a:gd name="connsiteX4" fmla="*/ 5538873 w 5704117"/>
+              <a:gd name="connsiteY4" fmla="*/ 2897564 h 6096000"/>
+              <a:gd name="connsiteX5" fmla="*/ 4442050 w 5704117"/>
+              <a:gd name="connsiteY5" fmla="*/ 4732407 h 6096000"/>
+              <a:gd name="connsiteX6" fmla="*/ 93046 w 5704117"/>
+              <a:gd name="connsiteY6" fmla="*/ 6082857 h 6096000"/>
+              <a:gd name="connsiteX7" fmla="*/ 0 w 5704117"/>
+              <a:gd name="connsiteY7" fmla="*/ 6078450 h 6096000"/>
+              <a:gd name="connsiteX0" fmla="*/ 4562795 w 5704117"/>
+              <a:gd name="connsiteY0" fmla="*/ 0 h 6096000"/>
+              <a:gd name="connsiteX1" fmla="*/ 4721192 w 5704117"/>
+              <a:gd name="connsiteY1" fmla="*/ 133595 h 6096000"/>
+              <a:gd name="connsiteX2" fmla="*/ 5467522 w 5704117"/>
+              <a:gd name="connsiteY2" fmla="*/ 1054328 h 6096000"/>
+              <a:gd name="connsiteX3" fmla="*/ 5538873 w 5704117"/>
+              <a:gd name="connsiteY3" fmla="*/ 2897564 h 6096000"/>
+              <a:gd name="connsiteX4" fmla="*/ 4442050 w 5704117"/>
+              <a:gd name="connsiteY4" fmla="*/ 4732407 h 6096000"/>
+              <a:gd name="connsiteX5" fmla="*/ 93046 w 5704117"/>
+              <a:gd name="connsiteY5" fmla="*/ 6082857 h 6096000"/>
+              <a:gd name="connsiteX6" fmla="*/ 0 w 5704117"/>
+              <a:gd name="connsiteY6" fmla="*/ 6078450 h 6096000"/>
+              <a:gd name="connsiteX7" fmla="*/ 91440 w 5704117"/>
+              <a:gd name="connsiteY7" fmla="*/ 91440 h 6096000"/>
+              <a:gd name="connsiteX0" fmla="*/ 4562795 w 5704117"/>
+              <a:gd name="connsiteY0" fmla="*/ 0 h 6096000"/>
+              <a:gd name="connsiteX1" fmla="*/ 4721192 w 5704117"/>
+              <a:gd name="connsiteY1" fmla="*/ 133595 h 6096000"/>
+              <a:gd name="connsiteX2" fmla="*/ 5467522 w 5704117"/>
+              <a:gd name="connsiteY2" fmla="*/ 1054328 h 6096000"/>
+              <a:gd name="connsiteX3" fmla="*/ 5538873 w 5704117"/>
+              <a:gd name="connsiteY3" fmla="*/ 2897564 h 6096000"/>
+              <a:gd name="connsiteX4" fmla="*/ 4442050 w 5704117"/>
+              <a:gd name="connsiteY4" fmla="*/ 4732407 h 6096000"/>
+              <a:gd name="connsiteX5" fmla="*/ 93046 w 5704117"/>
+              <a:gd name="connsiteY5" fmla="*/ 6082857 h 6096000"/>
+              <a:gd name="connsiteX6" fmla="*/ 0 w 5704117"/>
+              <a:gd name="connsiteY6" fmla="*/ 6078450 h 6096000"/>
+            </a:gdLst>
+            <a:ahLst/>
+            <a:cxnLst>
+              <a:cxn ang="0">
+                <a:pos x="connsiteX0" y="connsiteY0"/>
+              </a:cxn>
+              <a:cxn ang="0">
+                <a:pos x="connsiteX1" y="connsiteY1"/>
+              </a:cxn>
+              <a:cxn ang="0">
+                <a:pos x="connsiteX2" y="connsiteY2"/>
+              </a:cxn>
+              <a:cxn ang="0">
+                <a:pos x="connsiteX3" y="connsiteY3"/>
+              </a:cxn>
+              <a:cxn ang="0">
+                <a:pos x="connsiteX4" y="connsiteY4"/>
+              </a:cxn>
+              <a:cxn ang="0">
+                <a:pos x="connsiteX5" y="connsiteY5"/>
+              </a:cxn>
+              <a:cxn ang="0">
+                <a:pos x="connsiteX6" y="connsiteY6"/>
+              </a:cxn>
+            </a:cxnLst>
+            <a:rect l="l" t="t" r="r" b="b"/>
+            <a:pathLst>
+              <a:path w="5704117" h="6096000">
+                <a:moveTo>
+                  <a:pt x="4562795" y="0"/>
+                </a:moveTo>
+                <a:lnTo>
+                  <a:pt x="4721192" y="133595"/>
+                </a:lnTo>
+                <a:cubicBezTo>
+                  <a:pt x="5067135" y="440105"/>
+                  <a:pt x="5309779" y="747048"/>
+                  <a:pt x="5467522" y="1054328"/>
+                </a:cubicBezTo>
+                <a:cubicBezTo>
+                  <a:pt x="5782917" y="1668625"/>
+                  <a:pt x="5758242" y="2283795"/>
+                  <a:pt x="5538873" y="2897564"/>
+                </a:cubicBezTo>
+                <a:cubicBezTo>
+                  <a:pt x="5319500" y="3511334"/>
+                  <a:pt x="4905433" y="4123706"/>
+                  <a:pt x="4442050" y="4732407"/>
+                </a:cubicBezTo>
+                <a:cubicBezTo>
+                  <a:pt x="3499930" y="5970384"/>
+                  <a:pt x="1925433" y="6153690"/>
+                  <a:pt x="93046" y="6082857"/>
+                </a:cubicBezTo>
+                <a:lnTo>
+                  <a:pt x="0" y="6078450"/>
+                </a:lnTo>
+              </a:path>
+            </a:pathLst>
+          </a:custGeom>
+          <a:noFill/>
+          <a:ln w="19050">
+            <a:solidFill>
+              <a:schemeClr val="accent2">
+                <a:lumMod val="60000"/>
+                <a:lumOff val="40000"/>
+              </a:schemeClr>
+            </a:solidFill>
+          </a:ln>
+        </p:spPr>
+        <p:style>
+          <a:lnRef idx="2">
+            <a:schemeClr val="accent1">
+              <a:shade val="50000"/>
+            </a:schemeClr>
+          </a:lnRef>
+          <a:fillRef idx="1">
+            <a:schemeClr val="accent1"/>
+          </a:fillRef>
+          <a:effectRef idx="0">
+            <a:schemeClr val="accent1"/>
+          </a:effectRef>
+          <a:fontRef idx="minor">
+            <a:schemeClr val="lt1"/>
+          </a:fontRef>
+        </p:style>
+        <p:txBody>
+          <a:bodyPr wrap="square" rtlCol="0" anchor="ctr">
+            <a:noAutofit/>
+          </a:bodyPr>
+          <a:lstStyle/>
+          <a:p>
+            <a:pPr algn="ctr"/>
+            <a:endParaRPr lang="en-US">
+              <a:solidFill>
+                <a:prstClr val="white"/>
+              </a:solidFill>
+              <a:latin typeface="Avenir Next LT Pro Light"/>
+            </a:endParaRPr>
+          </a:p>
+        </p:txBody>
+      </p:sp>
+      <p:pic>
+        <p:nvPicPr>
+          <p:cNvPr id="1026" name="Picture 2" descr="Red Team VS Blue Team: What's The Difference? | PurpleSec">
+            <a:extLst>
+              <a:ext uri="{FF2B5EF4-FFF2-40B4-BE49-F238E27FC236}">
+                <a16:creationId xmlns:a16="http://schemas.microsoft.com/office/drawing/2014/main" id="{95D14437-E6DD-4F50-9E2D-ED31AB14E9B8}"/>
+              </a:ext>
+            </a:extLst>
+          </p:cNvPr>
+          <p:cNvPicPr>
+            <a:picLocks noChangeAspect="1" noChangeArrowheads="1"/>
+          </p:cNvPicPr>
+          <p:nvPr/>
+        </p:nvPicPr>
+        <p:blipFill>
+          <a:blip r:embed="rId2">
+            <a:extLst>
+              <a:ext uri="{28A0092B-C50C-407E-A947-70E740481C1C}">
+                <a14:useLocalDpi xmlns:a14="http://schemas.microsoft.com/office/drawing/2010/main" val="0"/>
+              </a:ext>
+            </a:extLst>
+          </a:blip>
+          <a:stretch>
+            <a:fillRect/>
+          </a:stretch>
+        </p:blipFill>
+        <p:spPr bwMode="auto">
+          <a:xfrm>
+            <a:off x="752827" y="2531858"/>
+            <a:ext cx="4581173" cy="2565456"/>
+          </a:xfrm>
+          <a:prstGeom prst="rect">
+            <a:avLst/>
+          </a:prstGeom>
+          <a:noFill/>
+          <a:extLst>
+            <a:ext uri="{909E8E84-426E-40DD-AFC4-6F175D3DCCD1}">
+              <a14:hiddenFill xmlns:a14="http://schemas.microsoft.com/office/drawing/2010/main">
+                <a:solidFill>
+                  <a:srgbClr val="FFFFFF"/>
+                </a:solidFill>
+              </a14:hiddenFill>
+            </a:ext>
+          </a:extLst>
+        </p:spPr>
+      </p:pic>
+      <p:sp>
+        <p:nvSpPr>
+          <p:cNvPr id="3" name="Content Placeholder 2">
+            <a:extLst>
+              <a:ext uri="{FF2B5EF4-FFF2-40B4-BE49-F238E27FC236}">
+                <a16:creationId xmlns:a16="http://schemas.microsoft.com/office/drawing/2014/main" id="{8B13700E-F0DA-40B4-AC69-698F36ACE440}"/>
+              </a:ext>
+            </a:extLst>
+          </p:cNvPr>
+          <p:cNvSpPr>
+            <a:spLocks noGrp="1"/>
+          </p:cNvSpPr>
+          <p:nvPr>
+            <p:ph idx="1"/>
+          </p:nvPr>
+        </p:nvSpPr>
+        <p:spPr>
+          <a:xfrm>
+            <a:off x="6096000" y="2286000"/>
+            <a:ext cx="5334000" cy="3810001"/>
+          </a:xfrm>
+        </p:spPr>
+        <p:txBody>
+          <a:bodyPr>
+            <a:normAutofit/>
+          </a:bodyPr>
+          <a:lstStyle/>
+          <a:p>
+            <a:r>
+              <a:rPr lang="en-US" sz="2400" b="1"/>
+              <a:t>Red Team (Offensive Side) </a:t>
+            </a:r>
+          </a:p>
+          <a:p>
+            <a:r>
+              <a:rPr lang="en-US" sz="2400" b="1"/>
+              <a:t>Blue Team (Defensive Side)</a:t>
+            </a:r>
+          </a:p>
+          <a:p>
+            <a:r>
+              <a:rPr lang="en-US" sz="2400" b="1"/>
+              <a:t>Purple Team (You got it right)</a:t>
+            </a:r>
+            <a:endParaRPr lang="en-CA" sz="2400" b="1"/>
+          </a:p>
+        </p:txBody>
+      </p:sp>
       <p:sp>
         <p:nvSpPr>
           <p:cNvPr id="2" name="Title 1">
@@ -8008,81 +8681,23 @@
             <p:ph type="title"/>
           </p:nvPr>
         </p:nvSpPr>
-        <p:spPr/>
-        <p:txBody>
-          <a:bodyPr/>
+        <p:spPr>
+          <a:xfrm>
+            <a:off x="6096000" y="762000"/>
+            <a:ext cx="5334000" cy="1524000"/>
+          </a:xfrm>
+        </p:spPr>
+        <p:txBody>
+          <a:bodyPr>
+            <a:normAutofit/>
+          </a:bodyPr>
           <a:lstStyle/>
           <a:p>
             <a:r>
-              <a:rPr lang="en-US" dirty="0"/>
+              <a:rPr lang="en-US" sz="3200"/>
               <a:t>Cybersecurity	</a:t>
             </a:r>
-            <a:endParaRPr lang="en-CA" dirty="0"/>
-          </a:p>
-        </p:txBody>
-      </p:sp>
-      <p:sp>
-        <p:nvSpPr>
-          <p:cNvPr id="3" name="Content Placeholder 2">
-            <a:extLst>
-              <a:ext uri="{FF2B5EF4-FFF2-40B4-BE49-F238E27FC236}">
-                <a16:creationId xmlns:a16="http://schemas.microsoft.com/office/drawing/2014/main" id="{8B13700E-F0DA-40B4-AC69-698F36ACE440}"/>
-              </a:ext>
-            </a:extLst>
-          </p:cNvPr>
-          <p:cNvSpPr>
-            <a:spLocks noGrp="1"/>
-          </p:cNvSpPr>
-          <p:nvPr>
-            <p:ph idx="1"/>
-          </p:nvPr>
-        </p:nvSpPr>
-        <p:spPr/>
-        <p:txBody>
-          <a:bodyPr/>
-          <a:lstStyle/>
-          <a:p>
-            <a:r>
-              <a:rPr lang="en-US" b="1" dirty="0">
-                <a:solidFill>
-                  <a:srgbClr val="FF0000">
-                    <a:alpha val="70000"/>
-                  </a:srgbClr>
-                </a:solidFill>
-              </a:rPr>
-              <a:t>Red Team (Offensive Side) </a:t>
-            </a:r>
-          </a:p>
-          <a:p>
-            <a:r>
-              <a:rPr lang="en-US" b="1" dirty="0">
-                <a:solidFill>
-                  <a:srgbClr val="00B0F0">
-                    <a:alpha val="70000"/>
-                  </a:srgbClr>
-                </a:solidFill>
-              </a:rPr>
-              <a:t>Blue Team (Defensive Side)</a:t>
-            </a:r>
-          </a:p>
-          <a:p>
-            <a:r>
-              <a:rPr lang="en-US" b="1" dirty="0">
-                <a:solidFill>
-                  <a:srgbClr val="7030A0">
-                    <a:alpha val="70000"/>
-                  </a:srgbClr>
-                </a:solidFill>
-              </a:rPr>
-              <a:t>Purple Team (You got it right)</a:t>
-            </a:r>
-            <a:endParaRPr lang="en-CA" b="1" dirty="0">
-              <a:solidFill>
-                <a:srgbClr val="7030A0">
-                  <a:alpha val="70000"/>
-                </a:srgbClr>
-              </a:solidFill>
-            </a:endParaRPr>
+            <a:endParaRPr lang="en-CA" sz="3200"/>
           </a:p>
         </p:txBody>
       </p:sp>
@@ -8296,7 +8911,7 @@
             </a:r>
             <a:r>
               <a:rPr lang="en-US" dirty="0"/>
-              <a:t> Testing Guide v4</a:t>
+              <a:t> Testing Guide v4.1</a:t>
             </a:r>
           </a:p>
           <a:p>
@@ -9047,12 +9662,6 @@
 </file>
 
 <file path=customXml/item1.xml><?xml version="1.0" encoding="utf-8"?>
-<p:properties xmlns:p="http://schemas.microsoft.com/office/2006/metadata/properties" xmlns:xsi="http://www.w3.org/2001/XMLSchema-instance" xmlns:pc="http://schemas.microsoft.com/office/infopath/2007/PartnerControls">
-  <documentManagement/>
-</p:properties>
-</file>
-
-<file path=customXml/item2.xml><?xml version="1.0" encoding="utf-8"?>
 <?mso-contentType ?>
 <FormTemplates xmlns="http://schemas.microsoft.com/sharepoint/v3/contenttype/forms">
   <Display>DocumentLibraryForm</Display>
@@ -9061,7 +9670,7 @@
 </FormTemplates>
 </file>
 
-<file path=customXml/item3.xml><?xml version="1.0" encoding="utf-8"?>
+<file path=customXml/item2.xml><?xml version="1.0" encoding="utf-8"?>
 <ct:contentTypeSchema xmlns:ct="http://schemas.microsoft.com/office/2006/metadata/contentType" xmlns:ma="http://schemas.microsoft.com/office/2006/metadata/properties/metaAttributes" ct:_="" ma:_="" ma:contentTypeName="Document" ma:contentTypeID="0x010100F783B0901C501845A703AFEA3A54D8DD" ma:contentTypeVersion="14" ma:contentTypeDescription="Create a new document." ma:contentTypeScope="" ma:versionID="788fced788b77fe9fa1747d3cc3e5d18">
   <xsd:schema xmlns:xsd="http://www.w3.org/2001/XMLSchema" xmlns:xs="http://www.w3.org/2001/XMLSchema" xmlns:p="http://schemas.microsoft.com/office/2006/metadata/properties" xmlns:ns3="dbee672d-7fcc-4cc5-bb43-ffdd0a346d5d" xmlns:ns4="c32a0ce8-cecf-4131-b659-d0010a2efdaa" targetNamespace="http://schemas.microsoft.com/office/2006/metadata/properties" ma:root="true" ma:fieldsID="495ce26ace5f49ab84c84de4df7c7a83" ns3:_="" ns4:_="">
     <xsd:import namespace="dbee672d-7fcc-4cc5-bb43-ffdd0a346d5d"/>
@@ -9290,24 +9899,13 @@
 </ct:contentTypeSchema>
 </file>
 
-<file path=customXml/itemProps1.xml><?xml version="1.0" encoding="utf-8"?>
-<ds:datastoreItem xmlns:ds="http://schemas.openxmlformats.org/officeDocument/2006/customXml" ds:itemID="{F2A31F05-7CC6-46C3-ABD6-50C44D68EC93}">
-  <ds:schemaRefs>
-    <ds:schemaRef ds:uri="http://schemas.openxmlformats.org/package/2006/metadata/core-properties"/>
-    <ds:schemaRef ds:uri="http://schemas.microsoft.com/office/infopath/2007/PartnerControls"/>
-    <ds:schemaRef ds:uri="dbee672d-7fcc-4cc5-bb43-ffdd0a346d5d"/>
-    <ds:schemaRef ds:uri="http://schemas.microsoft.com/office/2006/documentManagement/types"/>
-    <ds:schemaRef ds:uri="http://www.w3.org/XML/1998/namespace"/>
-    <ds:schemaRef ds:uri="http://purl.org/dc/elements/1.1/"/>
-    <ds:schemaRef ds:uri="c32a0ce8-cecf-4131-b659-d0010a2efdaa"/>
-    <ds:schemaRef ds:uri="http://schemas.microsoft.com/office/2006/metadata/properties"/>
-    <ds:schemaRef ds:uri="http://purl.org/dc/dcmitype/"/>
-    <ds:schemaRef ds:uri="http://purl.org/dc/terms/"/>
-  </ds:schemaRefs>
-</ds:datastoreItem>
+<file path=customXml/item3.xml><?xml version="1.0" encoding="utf-8"?>
+<p:properties xmlns:p="http://schemas.microsoft.com/office/2006/metadata/properties" xmlns:xsi="http://www.w3.org/2001/XMLSchema-instance" xmlns:pc="http://schemas.microsoft.com/office/infopath/2007/PartnerControls">
+  <documentManagement/>
+</p:properties>
 </file>
 
-<file path=customXml/itemProps2.xml><?xml version="1.0" encoding="utf-8"?>
+<file path=customXml/itemProps1.xml><?xml version="1.0" encoding="utf-8"?>
 <ds:datastoreItem xmlns:ds="http://schemas.openxmlformats.org/officeDocument/2006/customXml" ds:itemID="{95D12852-CD1B-48C6-A62C-225EE7564AB7}">
   <ds:schemaRefs>
     <ds:schemaRef ds:uri="http://schemas.microsoft.com/sharepoint/v3/contenttype/forms"/>
@@ -9315,7 +9913,7 @@
 </ds:datastoreItem>
 </file>
 
-<file path=customXml/itemProps3.xml><?xml version="1.0" encoding="utf-8"?>
+<file path=customXml/itemProps2.xml><?xml version="1.0" encoding="utf-8"?>
 <ds:datastoreItem xmlns:ds="http://schemas.openxmlformats.org/officeDocument/2006/customXml" ds:itemID="{9D695F4C-04E7-4007-BC66-396A55759042}">
   <ds:schemaRefs>
     <ds:schemaRef ds:uri="http://schemas.microsoft.com/office/2006/metadata/contentType"/>
@@ -9332,4 +9930,21 @@
     <ds:schemaRef ds:uri="http://schemas.microsoft.com/internal/obd"/>
   </ds:schemaRefs>
 </ds:datastoreItem>
+</file>
+
+<file path=customXml/itemProps3.xml><?xml version="1.0" encoding="utf-8"?>
+<ds:datastoreItem xmlns:ds="http://schemas.openxmlformats.org/officeDocument/2006/customXml" ds:itemID="{F2A31F05-7CC6-46C3-ABD6-50C44D68EC93}">
+  <ds:schemaRefs>
+    <ds:schemaRef ds:uri="http://schemas.openxmlformats.org/package/2006/metadata/core-properties"/>
+    <ds:schemaRef ds:uri="http://schemas.microsoft.com/office/infopath/2007/PartnerControls"/>
+    <ds:schemaRef ds:uri="dbee672d-7fcc-4cc5-bb43-ffdd0a346d5d"/>
+    <ds:schemaRef ds:uri="http://schemas.microsoft.com/office/2006/documentManagement/types"/>
+    <ds:schemaRef ds:uri="http://www.w3.org/XML/1998/namespace"/>
+    <ds:schemaRef ds:uri="http://purl.org/dc/elements/1.1/"/>
+    <ds:schemaRef ds:uri="c32a0ce8-cecf-4131-b659-d0010a2efdaa"/>
+    <ds:schemaRef ds:uri="http://schemas.microsoft.com/office/2006/metadata/properties"/>
+    <ds:schemaRef ds:uri="http://purl.org/dc/dcmitype/"/>
+    <ds:schemaRef ds:uri="http://purl.org/dc/terms/"/>
+  </ds:schemaRefs>
+</ds:datastoreItem>
 </file>